--- a/Homework4/機器學習HW4-202011242028.pptx
+++ b/Homework4/機器學習HW4-202011242028.pptx
@@ -5,10 +5,10 @@
     <p:sldMasterId id="2147483648" r:id="rId1"/>
   </p:sldMasterIdLst>
   <p:notesMasterIdLst>
-    <p:notesMasterId r:id="rId16"/>
+    <p:notesMasterId r:id="rId20"/>
   </p:notesMasterIdLst>
   <p:handoutMasterIdLst>
-    <p:handoutMasterId r:id="rId17"/>
+    <p:handoutMasterId r:id="rId21"/>
   </p:handoutMasterIdLst>
   <p:sldIdLst>
     <p:sldId id="260" r:id="rId2"/>
@@ -24,7 +24,11 @@
     <p:sldId id="323" r:id="rId12"/>
     <p:sldId id="326" r:id="rId13"/>
     <p:sldId id="325" r:id="rId14"/>
-    <p:sldId id="310" r:id="rId15"/>
+    <p:sldId id="327" r:id="rId15"/>
+    <p:sldId id="329" r:id="rId16"/>
+    <p:sldId id="328" r:id="rId17"/>
+    <p:sldId id="330" r:id="rId18"/>
+    <p:sldId id="310" r:id="rId19"/>
   </p:sldIdLst>
   <p:sldSz cx="12192000" cy="6858000"/>
   <p:notesSz cx="6858000" cy="9144000"/>
@@ -124,6 +128,52 @@
     </a:lvl9pPr>
   </p:defaultTextStyle>
   <p:extLst>
+    <p:ext uri="{521415D9-36F7-43E2-AB2F-B90AF26B5E84}">
+      <p14:sectionLst xmlns:p14="http://schemas.microsoft.com/office/powerpoint/2010/main">
+        <p14:section name="預設章節" id="{2A3A315B-879F-4524-9F7F-B8EE2D17A35C}">
+          <p14:sldIdLst>
+            <p14:sldId id="260"/>
+          </p14:sldIdLst>
+        </p14:section>
+        <p14:section name="功能需求" id="{DA9E73B2-77E1-444C-B935-07584D6FB41F}">
+          <p14:sldIdLst>
+            <p14:sldId id="312"/>
+            <p14:sldId id="319"/>
+            <p14:sldId id="313"/>
+            <p14:sldId id="317"/>
+            <p14:sldId id="318"/>
+          </p14:sldIdLst>
+        </p14:section>
+        <p14:section name="分析" id="{5B38B813-3A30-4CB2-81FC-3EB6C62F6824}">
+          <p14:sldIdLst>
+            <p14:sldId id="321"/>
+            <p14:sldId id="324"/>
+          </p14:sldIdLst>
+        </p14:section>
+        <p14:section name="API" id="{261C67C3-57F1-44BC-8599-400E0E9DFAE2}">
+          <p14:sldIdLst>
+            <p14:sldId id="320"/>
+            <p14:sldId id="322"/>
+            <p14:sldId id="323"/>
+            <p14:sldId id="326"/>
+            <p14:sldId id="325"/>
+          </p14:sldIdLst>
+        </p14:section>
+        <p14:section name="程式流程圖" id="{2C4037B1-6512-4EB2-9A06-7CB44189D36D}">
+          <p14:sldIdLst>
+            <p14:sldId id="327"/>
+            <p14:sldId id="329"/>
+            <p14:sldId id="328"/>
+            <p14:sldId id="330"/>
+          </p14:sldIdLst>
+        </p14:section>
+        <p14:section name="THANKS" id="{73488242-C3FD-4E5A-8E98-70AAA5C506DD}">
+          <p14:sldIdLst>
+            <p14:sldId id="310"/>
+          </p14:sldIdLst>
+        </p14:section>
+      </p14:sectionLst>
+    </p:ext>
     <p:ext uri="{EFAFB233-063F-42B5-8137-9DF3F51BA10A}">
       <p15:sldGuideLst xmlns:p15="http://schemas.microsoft.com/office/powerpoint/2012/main">
         <p15:guide id="1" orient="horz" pos="4065">
@@ -1181,6 +1231,9 @@
           <a:p>
             <a:endParaRPr lang="zh-CN" altLang="en-US" dirty="0"/>
           </a:p>
+          <a:p>
+            <a:endParaRPr lang="zh-CN" altLang="en-US" dirty="0"/>
+          </a:p>
         </p:txBody>
       </p:sp>
       <p:sp>
@@ -1202,6 +1255,355 @@
               <a:rPr lang="zh-CN" altLang="en-US" smtClean="0"/>
               <a:pPr/>
               <a:t>14</a:t>
+            </a:fld>
+            <a:endParaRPr lang="zh-CN" altLang="en-US"/>
+          </a:p>
+        </p:txBody>
+      </p:sp>
+    </p:spTree>
+    <p:extLst>
+      <p:ext uri="{BB962C8B-B14F-4D97-AF65-F5344CB8AC3E}">
+        <p14:creationId xmlns:p14="http://schemas.microsoft.com/office/powerpoint/2010/main" val="2894442651"/>
+      </p:ext>
+    </p:extLst>
+  </p:cSld>
+  <p:clrMapOvr>
+    <a:masterClrMapping/>
+  </p:clrMapOvr>
+</p:notes>
+</file>
+
+<file path=ppt/notesSlides/notesSlide15.xml><?xml version="1.0" encoding="utf-8"?>
+<p:notes xmlns:a="http://schemas.openxmlformats.org/drawingml/2006/main" xmlns:r="http://schemas.openxmlformats.org/officeDocument/2006/relationships" xmlns:p="http://schemas.openxmlformats.org/presentationml/2006/main">
+  <p:cSld>
+    <p:spTree>
+      <p:nvGrpSpPr>
+        <p:cNvPr id="1" name=""/>
+        <p:cNvGrpSpPr/>
+        <p:nvPr/>
+      </p:nvGrpSpPr>
+      <p:grpSpPr>
+        <a:xfrm>
+          <a:off x="0" y="0"/>
+          <a:ext cx="0" cy="0"/>
+          <a:chOff x="0" y="0"/>
+          <a:chExt cx="0" cy="0"/>
+        </a:xfrm>
+      </p:grpSpPr>
+      <p:sp>
+        <p:nvSpPr>
+          <p:cNvPr id="2" name="幻灯片图像占位符 1"/>
+          <p:cNvSpPr>
+            <a:spLocks noGrp="1" noRot="1" noChangeAspect="1"/>
+          </p:cNvSpPr>
+          <p:nvPr>
+            <p:ph type="sldImg"/>
+          </p:nvPr>
+        </p:nvSpPr>
+        <p:spPr/>
+      </p:sp>
+      <p:sp>
+        <p:nvSpPr>
+          <p:cNvPr id="3" name="备注占位符 2"/>
+          <p:cNvSpPr>
+            <a:spLocks noGrp="1"/>
+          </p:cNvSpPr>
+          <p:nvPr>
+            <p:ph type="body" idx="1"/>
+          </p:nvPr>
+        </p:nvSpPr>
+        <p:spPr/>
+        <p:txBody>
+          <a:bodyPr/>
+          <a:lstStyle/>
+          <a:p>
+            <a:endParaRPr lang="zh-CN" altLang="en-US" dirty="0"/>
+          </a:p>
+          <a:p>
+            <a:endParaRPr lang="zh-CN" altLang="en-US" dirty="0"/>
+          </a:p>
+        </p:txBody>
+      </p:sp>
+      <p:sp>
+        <p:nvSpPr>
+          <p:cNvPr id="4" name="灯片编号占位符 3"/>
+          <p:cNvSpPr>
+            <a:spLocks noGrp="1"/>
+          </p:cNvSpPr>
+          <p:nvPr>
+            <p:ph type="sldNum" sz="quarter" idx="10"/>
+          </p:nvPr>
+        </p:nvSpPr>
+        <p:spPr/>
+        <p:txBody>
+          <a:bodyPr/>
+          <a:lstStyle/>
+          <a:p>
+            <a:fld id="{572CFE39-E4F3-4BD9-A16E-9B3A0A705C4D}" type="slidenum">
+              <a:rPr lang="zh-CN" altLang="en-US" smtClean="0"/>
+              <a:pPr/>
+              <a:t>15</a:t>
+            </a:fld>
+            <a:endParaRPr lang="zh-CN" altLang="en-US"/>
+          </a:p>
+        </p:txBody>
+      </p:sp>
+    </p:spTree>
+    <p:extLst>
+      <p:ext uri="{BB962C8B-B14F-4D97-AF65-F5344CB8AC3E}">
+        <p14:creationId xmlns:p14="http://schemas.microsoft.com/office/powerpoint/2010/main" val="304336916"/>
+      </p:ext>
+    </p:extLst>
+  </p:cSld>
+  <p:clrMapOvr>
+    <a:masterClrMapping/>
+  </p:clrMapOvr>
+</p:notes>
+</file>
+
+<file path=ppt/notesSlides/notesSlide16.xml><?xml version="1.0" encoding="utf-8"?>
+<p:notes xmlns:a="http://schemas.openxmlformats.org/drawingml/2006/main" xmlns:r="http://schemas.openxmlformats.org/officeDocument/2006/relationships" xmlns:p="http://schemas.openxmlformats.org/presentationml/2006/main">
+  <p:cSld>
+    <p:spTree>
+      <p:nvGrpSpPr>
+        <p:cNvPr id="1" name=""/>
+        <p:cNvGrpSpPr/>
+        <p:nvPr/>
+      </p:nvGrpSpPr>
+      <p:grpSpPr>
+        <a:xfrm>
+          <a:off x="0" y="0"/>
+          <a:ext cx="0" cy="0"/>
+          <a:chOff x="0" y="0"/>
+          <a:chExt cx="0" cy="0"/>
+        </a:xfrm>
+      </p:grpSpPr>
+      <p:sp>
+        <p:nvSpPr>
+          <p:cNvPr id="2" name="幻灯片图像占位符 1"/>
+          <p:cNvSpPr>
+            <a:spLocks noGrp="1" noRot="1" noChangeAspect="1"/>
+          </p:cNvSpPr>
+          <p:nvPr>
+            <p:ph type="sldImg"/>
+          </p:nvPr>
+        </p:nvSpPr>
+        <p:spPr/>
+      </p:sp>
+      <p:sp>
+        <p:nvSpPr>
+          <p:cNvPr id="3" name="备注占位符 2"/>
+          <p:cNvSpPr>
+            <a:spLocks noGrp="1"/>
+          </p:cNvSpPr>
+          <p:nvPr>
+            <p:ph type="body" idx="1"/>
+          </p:nvPr>
+        </p:nvSpPr>
+        <p:spPr/>
+        <p:txBody>
+          <a:bodyPr/>
+          <a:lstStyle/>
+          <a:p>
+            <a:endParaRPr lang="zh-CN" altLang="en-US" dirty="0"/>
+          </a:p>
+          <a:p>
+            <a:endParaRPr lang="zh-CN" altLang="en-US" dirty="0"/>
+          </a:p>
+        </p:txBody>
+      </p:sp>
+      <p:sp>
+        <p:nvSpPr>
+          <p:cNvPr id="4" name="灯片编号占位符 3"/>
+          <p:cNvSpPr>
+            <a:spLocks noGrp="1"/>
+          </p:cNvSpPr>
+          <p:nvPr>
+            <p:ph type="sldNum" sz="quarter" idx="10"/>
+          </p:nvPr>
+        </p:nvSpPr>
+        <p:spPr/>
+        <p:txBody>
+          <a:bodyPr/>
+          <a:lstStyle/>
+          <a:p>
+            <a:fld id="{572CFE39-E4F3-4BD9-A16E-9B3A0A705C4D}" type="slidenum">
+              <a:rPr lang="zh-CN" altLang="en-US" smtClean="0"/>
+              <a:pPr/>
+              <a:t>16</a:t>
+            </a:fld>
+            <a:endParaRPr lang="zh-CN" altLang="en-US"/>
+          </a:p>
+        </p:txBody>
+      </p:sp>
+    </p:spTree>
+    <p:extLst>
+      <p:ext uri="{BB962C8B-B14F-4D97-AF65-F5344CB8AC3E}">
+        <p14:creationId xmlns:p14="http://schemas.microsoft.com/office/powerpoint/2010/main" val="1299522438"/>
+      </p:ext>
+    </p:extLst>
+  </p:cSld>
+  <p:clrMapOvr>
+    <a:masterClrMapping/>
+  </p:clrMapOvr>
+</p:notes>
+</file>
+
+<file path=ppt/notesSlides/notesSlide17.xml><?xml version="1.0" encoding="utf-8"?>
+<p:notes xmlns:a="http://schemas.openxmlformats.org/drawingml/2006/main" xmlns:r="http://schemas.openxmlformats.org/officeDocument/2006/relationships" xmlns:p="http://schemas.openxmlformats.org/presentationml/2006/main">
+  <p:cSld>
+    <p:spTree>
+      <p:nvGrpSpPr>
+        <p:cNvPr id="1" name=""/>
+        <p:cNvGrpSpPr/>
+        <p:nvPr/>
+      </p:nvGrpSpPr>
+      <p:grpSpPr>
+        <a:xfrm>
+          <a:off x="0" y="0"/>
+          <a:ext cx="0" cy="0"/>
+          <a:chOff x="0" y="0"/>
+          <a:chExt cx="0" cy="0"/>
+        </a:xfrm>
+      </p:grpSpPr>
+      <p:sp>
+        <p:nvSpPr>
+          <p:cNvPr id="2" name="幻灯片图像占位符 1"/>
+          <p:cNvSpPr>
+            <a:spLocks noGrp="1" noRot="1" noChangeAspect="1"/>
+          </p:cNvSpPr>
+          <p:nvPr>
+            <p:ph type="sldImg"/>
+          </p:nvPr>
+        </p:nvSpPr>
+        <p:spPr/>
+      </p:sp>
+      <p:sp>
+        <p:nvSpPr>
+          <p:cNvPr id="3" name="备注占位符 2"/>
+          <p:cNvSpPr>
+            <a:spLocks noGrp="1"/>
+          </p:cNvSpPr>
+          <p:nvPr>
+            <p:ph type="body" idx="1"/>
+          </p:nvPr>
+        </p:nvSpPr>
+        <p:spPr/>
+        <p:txBody>
+          <a:bodyPr/>
+          <a:lstStyle/>
+          <a:p>
+            <a:endParaRPr lang="zh-CN" altLang="en-US" dirty="0"/>
+          </a:p>
+          <a:p>
+            <a:endParaRPr lang="zh-CN" altLang="en-US" dirty="0"/>
+          </a:p>
+        </p:txBody>
+      </p:sp>
+      <p:sp>
+        <p:nvSpPr>
+          <p:cNvPr id="4" name="灯片编号占位符 3"/>
+          <p:cNvSpPr>
+            <a:spLocks noGrp="1"/>
+          </p:cNvSpPr>
+          <p:nvPr>
+            <p:ph type="sldNum" sz="quarter" idx="10"/>
+          </p:nvPr>
+        </p:nvSpPr>
+        <p:spPr/>
+        <p:txBody>
+          <a:bodyPr/>
+          <a:lstStyle/>
+          <a:p>
+            <a:fld id="{572CFE39-E4F3-4BD9-A16E-9B3A0A705C4D}" type="slidenum">
+              <a:rPr lang="zh-CN" altLang="en-US" smtClean="0"/>
+              <a:pPr/>
+              <a:t>17</a:t>
+            </a:fld>
+            <a:endParaRPr lang="zh-CN" altLang="en-US"/>
+          </a:p>
+        </p:txBody>
+      </p:sp>
+    </p:spTree>
+    <p:extLst>
+      <p:ext uri="{BB962C8B-B14F-4D97-AF65-F5344CB8AC3E}">
+        <p14:creationId xmlns:p14="http://schemas.microsoft.com/office/powerpoint/2010/main" val="1445582074"/>
+      </p:ext>
+    </p:extLst>
+  </p:cSld>
+  <p:clrMapOvr>
+    <a:masterClrMapping/>
+  </p:clrMapOvr>
+</p:notes>
+</file>
+
+<file path=ppt/notesSlides/notesSlide18.xml><?xml version="1.0" encoding="utf-8"?>
+<p:notes xmlns:a="http://schemas.openxmlformats.org/drawingml/2006/main" xmlns:r="http://schemas.openxmlformats.org/officeDocument/2006/relationships" xmlns:p="http://schemas.openxmlformats.org/presentationml/2006/main">
+  <p:cSld>
+    <p:spTree>
+      <p:nvGrpSpPr>
+        <p:cNvPr id="1" name=""/>
+        <p:cNvGrpSpPr/>
+        <p:nvPr/>
+      </p:nvGrpSpPr>
+      <p:grpSpPr>
+        <a:xfrm>
+          <a:off x="0" y="0"/>
+          <a:ext cx="0" cy="0"/>
+          <a:chOff x="0" y="0"/>
+          <a:chExt cx="0" cy="0"/>
+        </a:xfrm>
+      </p:grpSpPr>
+      <p:sp>
+        <p:nvSpPr>
+          <p:cNvPr id="2" name="幻灯片图像占位符 1"/>
+          <p:cNvSpPr>
+            <a:spLocks noGrp="1" noRot="1" noChangeAspect="1"/>
+          </p:cNvSpPr>
+          <p:nvPr>
+            <p:ph type="sldImg"/>
+          </p:nvPr>
+        </p:nvSpPr>
+        <p:spPr/>
+      </p:sp>
+      <p:sp>
+        <p:nvSpPr>
+          <p:cNvPr id="3" name="备注占位符 2"/>
+          <p:cNvSpPr>
+            <a:spLocks noGrp="1"/>
+          </p:cNvSpPr>
+          <p:nvPr>
+            <p:ph type="body" idx="1"/>
+          </p:nvPr>
+        </p:nvSpPr>
+        <p:spPr/>
+        <p:txBody>
+          <a:bodyPr/>
+          <a:lstStyle/>
+          <a:p>
+            <a:endParaRPr lang="zh-CN" altLang="en-US" dirty="0"/>
+          </a:p>
+        </p:txBody>
+      </p:sp>
+      <p:sp>
+        <p:nvSpPr>
+          <p:cNvPr id="4" name="灯片编号占位符 3"/>
+          <p:cNvSpPr>
+            <a:spLocks noGrp="1"/>
+          </p:cNvSpPr>
+          <p:nvPr>
+            <p:ph type="sldNum" sz="quarter" idx="10"/>
+          </p:nvPr>
+        </p:nvSpPr>
+        <p:spPr/>
+        <p:txBody>
+          <a:bodyPr/>
+          <a:lstStyle/>
+          <a:p>
+            <a:fld id="{572CFE39-E4F3-4BD9-A16E-9B3A0A705C4D}" type="slidenum">
+              <a:rPr lang="zh-CN" altLang="en-US" smtClean="0"/>
+              <a:pPr/>
+              <a:t>18</a:t>
             </a:fld>
             <a:endParaRPr lang="zh-CN" altLang="en-US"/>
           </a:p>
@@ -4852,12 +5254,16 @@
               <a:buAutoNum type="arabicPeriod" startAt="2"/>
             </a:pPr>
             <a:r>
-              <a:rPr lang="zh-TW" altLang="en-US" sz="2400" dirty="0">
-                <a:latin typeface="微軟正黑體" panose="020B0604030504040204" pitchFamily="34" charset="-120"/>
-                <a:ea typeface="微軟正黑體" panose="020B0604030504040204" pitchFamily="34" charset="-120"/>
-              </a:rPr>
-              <a:t>對手擊球後</a:t>
-            </a:r>
+              <a:rPr lang="zh-TW" altLang="en-US" sz="2400" dirty="0" smtClean="0">
+                <a:latin typeface="微軟正黑體" panose="020B0604030504040204" pitchFamily="34" charset="-120"/>
+                <a:ea typeface="微軟正黑體" panose="020B0604030504040204" pitchFamily="34" charset="-120"/>
+              </a:rPr>
+              <a:t>落點判斷</a:t>
+            </a:r>
+            <a:endParaRPr lang="zh-TW" altLang="en-US" sz="2400" dirty="0">
+              <a:latin typeface="微軟正黑體" panose="020B0604030504040204" pitchFamily="34" charset="-120"/>
+              <a:ea typeface="微軟正黑體" panose="020B0604030504040204" pitchFamily="34" charset="-120"/>
+            </a:endParaRPr>
           </a:p>
           <a:p>
             <a:pPr marL="1885950" lvl="3" indent="-514350">
@@ -4951,6 +5357,13 @@
       </p:transition>
     </mc:Fallback>
   </mc:AlternateContent>
+  <p:timing>
+    <p:tnLst>
+      <p:par>
+        <p:cTn id="1" dur="indefinite" restart="never" nodeType="tmRoot"/>
+      </p:par>
+    </p:tnLst>
+  </p:timing>
 </p:sld>
 </file>
 
@@ -5630,6 +6043,13 @@
       </p:transition>
     </mc:Fallback>
   </mc:AlternateContent>
+  <p:timing>
+    <p:tnLst>
+      <p:par>
+        <p:cTn id="1" dur="indefinite" restart="never" nodeType="tmRoot"/>
+      </p:par>
+    </p:tnLst>
+  </p:timing>
 </p:sld>
 </file>
 
@@ -6285,6 +6705,13 @@
       </p:transition>
     </mc:Fallback>
   </mc:AlternateContent>
+  <p:timing>
+    <p:tnLst>
+      <p:par>
+        <p:cTn id="1" dur="indefinite" restart="never" nodeType="tmRoot"/>
+      </p:par>
+    </p:tnLst>
+  </p:timing>
 </p:sld>
 </file>
 
@@ -7084,10 +7511,2867 @@
       </p:transition>
     </mc:Fallback>
   </mc:AlternateContent>
+  <p:timing>
+    <p:tnLst>
+      <p:par>
+        <p:cTn id="1" dur="indefinite" restart="never" nodeType="tmRoot"/>
+      </p:par>
+    </p:tnLst>
+  </p:timing>
 </p:sld>
 </file>
 
 <file path=ppt/slides/slide14.xml><?xml version="1.0" encoding="utf-8"?>
+<p:sld xmlns:a="http://schemas.openxmlformats.org/drawingml/2006/main" xmlns:r="http://schemas.openxmlformats.org/officeDocument/2006/relationships" xmlns:p="http://schemas.openxmlformats.org/presentationml/2006/main">
+  <p:cSld>
+    <p:spTree>
+      <p:nvGrpSpPr>
+        <p:cNvPr id="1" name=""/>
+        <p:cNvGrpSpPr/>
+        <p:nvPr/>
+      </p:nvGrpSpPr>
+      <p:grpSpPr>
+        <a:xfrm>
+          <a:off x="0" y="0"/>
+          <a:ext cx="0" cy="0"/>
+          <a:chOff x="0" y="0"/>
+          <a:chExt cx="0" cy="0"/>
+        </a:xfrm>
+      </p:grpSpPr>
+      <p:sp>
+        <p:nvSpPr>
+          <p:cNvPr id="2" name="文本框 1"/>
+          <p:cNvSpPr txBox="1"/>
+          <p:nvPr/>
+        </p:nvSpPr>
+        <p:spPr>
+          <a:xfrm flipH="1">
+            <a:off x="920337" y="498350"/>
+            <a:ext cx="2978563" cy="584775"/>
+          </a:xfrm>
+          <a:prstGeom prst="rect">
+            <a:avLst/>
+          </a:prstGeom>
+          <a:noFill/>
+        </p:spPr>
+        <p:txBody>
+          <a:bodyPr wrap="square" rtlCol="0">
+            <a:spAutoFit/>
+          </a:bodyPr>
+          <a:lstStyle/>
+          <a:p>
+            <a:r>
+              <a:rPr lang="zh-TW" altLang="en-US" sz="3200" dirty="0" smtClean="0">
+                <a:solidFill>
+                  <a:schemeClr val="tx1">
+                    <a:lumMod val="65000"/>
+                    <a:lumOff val="35000"/>
+                  </a:schemeClr>
+                </a:solidFill>
+                <a:latin typeface="微軟正黑體" panose="020B0604030504040204" pitchFamily="34" charset="-120"/>
+                <a:ea typeface="微軟正黑體" panose="020B0604030504040204" pitchFamily="34" charset="-120"/>
+                <a:cs typeface="微软雅黑" charset="0"/>
+              </a:rPr>
+              <a:t>程式流程圖</a:t>
+            </a:r>
+            <a:endParaRPr lang="en-US" altLang="zh-TW" sz="3200" dirty="0">
+              <a:solidFill>
+                <a:schemeClr val="tx1">
+                  <a:lumMod val="65000"/>
+                  <a:lumOff val="35000"/>
+                </a:schemeClr>
+              </a:solidFill>
+              <a:latin typeface="微軟正黑體" panose="020B0604030504040204" pitchFamily="34" charset="-120"/>
+              <a:ea typeface="微軟正黑體" panose="020B0604030504040204" pitchFamily="34" charset="-120"/>
+              <a:cs typeface="微软雅黑" charset="0"/>
+            </a:endParaRPr>
+          </a:p>
+        </p:txBody>
+      </p:sp>
+      <p:sp>
+        <p:nvSpPr>
+          <p:cNvPr id="3" name="等腰三角形 2"/>
+          <p:cNvSpPr/>
+          <p:nvPr/>
+        </p:nvSpPr>
+        <p:spPr>
+          <a:xfrm rot="5400000">
+            <a:off x="521304" y="606001"/>
+            <a:ext cx="428592" cy="369474"/>
+          </a:xfrm>
+          <a:prstGeom prst="triangle">
+            <a:avLst/>
+          </a:prstGeom>
+          <a:solidFill>
+            <a:schemeClr val="accent1"/>
+          </a:solidFill>
+          <a:ln>
+            <a:noFill/>
+          </a:ln>
+        </p:spPr>
+        <p:style>
+          <a:lnRef idx="2">
+            <a:schemeClr val="accent1">
+              <a:shade val="50000"/>
+            </a:schemeClr>
+          </a:lnRef>
+          <a:fillRef idx="1">
+            <a:schemeClr val="accent1"/>
+          </a:fillRef>
+          <a:effectRef idx="0">
+            <a:schemeClr val="accent1"/>
+          </a:effectRef>
+          <a:fontRef idx="minor">
+            <a:schemeClr val="lt1"/>
+          </a:fontRef>
+        </p:style>
+        <p:txBody>
+          <a:bodyPr rtlCol="0" anchor="ctr"/>
+          <a:lstStyle/>
+          <a:p>
+            <a:pPr algn="ctr"/>
+            <a:endParaRPr lang="zh-CN" altLang="en-US">
+              <a:latin typeface="微软雅黑" charset="0"/>
+              <a:ea typeface="微软雅黑" charset="0"/>
+              <a:cs typeface="微软雅黑" charset="0"/>
+            </a:endParaRPr>
+          </a:p>
+        </p:txBody>
+      </p:sp>
+      <p:pic>
+        <p:nvPicPr>
+          <p:cNvPr id="21" name="圖片 20"/>
+          <p:cNvPicPr>
+            <a:picLocks noChangeAspect="1"/>
+          </p:cNvPicPr>
+          <p:nvPr/>
+        </p:nvPicPr>
+        <p:blipFill rotWithShape="1">
+          <a:blip r:embed="rId3"/>
+          <a:srcRect t="1" b="-639"/>
+          <a:stretch/>
+        </p:blipFill>
+        <p:spPr>
+          <a:xfrm>
+            <a:off x="3314671" y="0"/>
+            <a:ext cx="5570854" cy="6718300"/>
+          </a:xfrm>
+          <a:prstGeom prst="rect">
+            <a:avLst/>
+          </a:prstGeom>
+        </p:spPr>
+      </p:pic>
+      <p:grpSp>
+        <p:nvGrpSpPr>
+          <p:cNvPr id="23" name="组合 40"/>
+          <p:cNvGrpSpPr/>
+          <p:nvPr/>
+        </p:nvGrpSpPr>
+        <p:grpSpPr>
+          <a:xfrm>
+            <a:off x="0" y="6718300"/>
+            <a:ext cx="12200197" cy="139699"/>
+            <a:chOff x="234017" y="5975409"/>
+            <a:chExt cx="13144500" cy="404812"/>
+          </a:xfrm>
+        </p:grpSpPr>
+        <p:sp>
+          <p:nvSpPr>
+            <p:cNvPr id="24" name="矩形 23"/>
+            <p:cNvSpPr/>
+            <p:nvPr/>
+          </p:nvSpPr>
+          <p:spPr>
+            <a:xfrm>
+              <a:off x="234017" y="5975409"/>
+              <a:ext cx="2190750" cy="404812"/>
+            </a:xfrm>
+            <a:prstGeom prst="rect">
+              <a:avLst/>
+            </a:prstGeom>
+            <a:ln>
+              <a:noFill/>
+            </a:ln>
+          </p:spPr>
+          <p:style>
+            <a:lnRef idx="2">
+              <a:schemeClr val="accent1">
+                <a:shade val="50000"/>
+              </a:schemeClr>
+            </a:lnRef>
+            <a:fillRef idx="1">
+              <a:schemeClr val="accent1"/>
+            </a:fillRef>
+            <a:effectRef idx="0">
+              <a:schemeClr val="accent1"/>
+            </a:effectRef>
+            <a:fontRef idx="minor">
+              <a:schemeClr val="lt1"/>
+            </a:fontRef>
+          </p:style>
+          <p:txBody>
+            <a:bodyPr rtlCol="0" anchor="ctr"/>
+            <a:lstStyle/>
+            <a:p>
+              <a:pPr algn="ctr"/>
+              <a:endParaRPr lang="zh-CN" altLang="en-US">
+                <a:latin typeface="微软雅黑" charset="0"/>
+                <a:ea typeface="微软雅黑" charset="0"/>
+                <a:cs typeface="微软雅黑" charset="0"/>
+              </a:endParaRPr>
+            </a:p>
+          </p:txBody>
+        </p:sp>
+        <p:sp>
+          <p:nvSpPr>
+            <p:cNvPr id="25" name="矩形 24"/>
+            <p:cNvSpPr/>
+            <p:nvPr/>
+          </p:nvSpPr>
+          <p:spPr>
+            <a:xfrm>
+              <a:off x="2424767" y="5975409"/>
+              <a:ext cx="2190750" cy="404812"/>
+            </a:xfrm>
+            <a:prstGeom prst="rect">
+              <a:avLst/>
+            </a:prstGeom>
+            <a:solidFill>
+              <a:schemeClr val="accent2"/>
+            </a:solidFill>
+            <a:ln>
+              <a:noFill/>
+            </a:ln>
+          </p:spPr>
+          <p:style>
+            <a:lnRef idx="2">
+              <a:schemeClr val="accent1">
+                <a:shade val="50000"/>
+              </a:schemeClr>
+            </a:lnRef>
+            <a:fillRef idx="1">
+              <a:schemeClr val="accent1"/>
+            </a:fillRef>
+            <a:effectRef idx="0">
+              <a:schemeClr val="accent1"/>
+            </a:effectRef>
+            <a:fontRef idx="minor">
+              <a:schemeClr val="lt1"/>
+            </a:fontRef>
+          </p:style>
+          <p:txBody>
+            <a:bodyPr rtlCol="0" anchor="ctr"/>
+            <a:lstStyle/>
+            <a:p>
+              <a:pPr algn="ctr"/>
+              <a:endParaRPr lang="zh-CN" altLang="en-US">
+                <a:latin typeface="微软雅黑" charset="0"/>
+                <a:ea typeface="微软雅黑" charset="0"/>
+                <a:cs typeface="微软雅黑" charset="0"/>
+              </a:endParaRPr>
+            </a:p>
+          </p:txBody>
+        </p:sp>
+        <p:sp>
+          <p:nvSpPr>
+            <p:cNvPr id="26" name="矩形 25"/>
+            <p:cNvSpPr/>
+            <p:nvPr/>
+          </p:nvSpPr>
+          <p:spPr>
+            <a:xfrm>
+              <a:off x="4615517" y="5975409"/>
+              <a:ext cx="2190750" cy="404812"/>
+            </a:xfrm>
+            <a:prstGeom prst="rect">
+              <a:avLst/>
+            </a:prstGeom>
+            <a:solidFill>
+              <a:schemeClr val="accent3"/>
+            </a:solidFill>
+            <a:ln>
+              <a:noFill/>
+            </a:ln>
+          </p:spPr>
+          <p:style>
+            <a:lnRef idx="2">
+              <a:schemeClr val="accent1">
+                <a:shade val="50000"/>
+              </a:schemeClr>
+            </a:lnRef>
+            <a:fillRef idx="1">
+              <a:schemeClr val="accent1"/>
+            </a:fillRef>
+            <a:effectRef idx="0">
+              <a:schemeClr val="accent1"/>
+            </a:effectRef>
+            <a:fontRef idx="minor">
+              <a:schemeClr val="lt1"/>
+            </a:fontRef>
+          </p:style>
+          <p:txBody>
+            <a:bodyPr rtlCol="0" anchor="ctr"/>
+            <a:lstStyle/>
+            <a:p>
+              <a:pPr algn="ctr"/>
+              <a:endParaRPr lang="zh-CN" altLang="en-US">
+                <a:latin typeface="微软雅黑" charset="0"/>
+                <a:ea typeface="微软雅黑" charset="0"/>
+                <a:cs typeface="微软雅黑" charset="0"/>
+              </a:endParaRPr>
+            </a:p>
+          </p:txBody>
+        </p:sp>
+        <p:sp>
+          <p:nvSpPr>
+            <p:cNvPr id="27" name="矩形 26"/>
+            <p:cNvSpPr/>
+            <p:nvPr/>
+          </p:nvSpPr>
+          <p:spPr>
+            <a:xfrm>
+              <a:off x="8997017" y="5975409"/>
+              <a:ext cx="2190750" cy="404812"/>
+            </a:xfrm>
+            <a:prstGeom prst="rect">
+              <a:avLst/>
+            </a:prstGeom>
+            <a:solidFill>
+              <a:schemeClr val="accent5"/>
+            </a:solidFill>
+            <a:ln>
+              <a:noFill/>
+            </a:ln>
+          </p:spPr>
+          <p:style>
+            <a:lnRef idx="2">
+              <a:schemeClr val="accent1">
+                <a:shade val="50000"/>
+              </a:schemeClr>
+            </a:lnRef>
+            <a:fillRef idx="1">
+              <a:schemeClr val="accent1"/>
+            </a:fillRef>
+            <a:effectRef idx="0">
+              <a:schemeClr val="accent1"/>
+            </a:effectRef>
+            <a:fontRef idx="minor">
+              <a:schemeClr val="lt1"/>
+            </a:fontRef>
+          </p:style>
+          <p:txBody>
+            <a:bodyPr rtlCol="0" anchor="ctr"/>
+            <a:lstStyle/>
+            <a:p>
+              <a:pPr algn="ctr"/>
+              <a:endParaRPr lang="zh-CN" altLang="en-US">
+                <a:latin typeface="微软雅黑" charset="0"/>
+                <a:ea typeface="微软雅黑" charset="0"/>
+                <a:cs typeface="微软雅黑" charset="0"/>
+              </a:endParaRPr>
+            </a:p>
+          </p:txBody>
+        </p:sp>
+        <p:sp>
+          <p:nvSpPr>
+            <p:cNvPr id="28" name="矩形 27"/>
+            <p:cNvSpPr/>
+            <p:nvPr/>
+          </p:nvSpPr>
+          <p:spPr>
+            <a:xfrm>
+              <a:off x="6806268" y="5975409"/>
+              <a:ext cx="2190750" cy="404812"/>
+            </a:xfrm>
+            <a:prstGeom prst="rect">
+              <a:avLst/>
+            </a:prstGeom>
+            <a:solidFill>
+              <a:schemeClr val="accent4"/>
+            </a:solidFill>
+            <a:ln>
+              <a:noFill/>
+            </a:ln>
+          </p:spPr>
+          <p:style>
+            <a:lnRef idx="2">
+              <a:schemeClr val="accent1">
+                <a:shade val="50000"/>
+              </a:schemeClr>
+            </a:lnRef>
+            <a:fillRef idx="1">
+              <a:schemeClr val="accent1"/>
+            </a:fillRef>
+            <a:effectRef idx="0">
+              <a:schemeClr val="accent1"/>
+            </a:effectRef>
+            <a:fontRef idx="minor">
+              <a:schemeClr val="lt1"/>
+            </a:fontRef>
+          </p:style>
+          <p:txBody>
+            <a:bodyPr rtlCol="0" anchor="ctr"/>
+            <a:lstStyle/>
+            <a:p>
+              <a:pPr algn="ctr"/>
+              <a:endParaRPr lang="zh-CN" altLang="en-US">
+                <a:latin typeface="微软雅黑" charset="0"/>
+                <a:ea typeface="微软雅黑" charset="0"/>
+                <a:cs typeface="微软雅黑" charset="0"/>
+              </a:endParaRPr>
+            </a:p>
+          </p:txBody>
+        </p:sp>
+        <p:sp>
+          <p:nvSpPr>
+            <p:cNvPr id="29" name="矩形 28"/>
+            <p:cNvSpPr/>
+            <p:nvPr/>
+          </p:nvSpPr>
+          <p:spPr>
+            <a:xfrm>
+              <a:off x="11187767" y="5975409"/>
+              <a:ext cx="2190750" cy="404812"/>
+            </a:xfrm>
+            <a:prstGeom prst="rect">
+              <a:avLst/>
+            </a:prstGeom>
+            <a:solidFill>
+              <a:schemeClr val="accent6"/>
+            </a:solidFill>
+            <a:ln>
+              <a:noFill/>
+            </a:ln>
+          </p:spPr>
+          <p:style>
+            <a:lnRef idx="2">
+              <a:schemeClr val="accent1">
+                <a:shade val="50000"/>
+              </a:schemeClr>
+            </a:lnRef>
+            <a:fillRef idx="1">
+              <a:schemeClr val="accent1"/>
+            </a:fillRef>
+            <a:effectRef idx="0">
+              <a:schemeClr val="accent1"/>
+            </a:effectRef>
+            <a:fontRef idx="minor">
+              <a:schemeClr val="lt1"/>
+            </a:fontRef>
+          </p:style>
+          <p:txBody>
+            <a:bodyPr rtlCol="0" anchor="ctr"/>
+            <a:lstStyle/>
+            <a:p>
+              <a:pPr algn="ctr"/>
+              <a:endParaRPr lang="zh-CN" altLang="en-US">
+                <a:latin typeface="微软雅黑" charset="0"/>
+                <a:ea typeface="微软雅黑" charset="0"/>
+                <a:cs typeface="微软雅黑" charset="0"/>
+              </a:endParaRPr>
+            </a:p>
+          </p:txBody>
+        </p:sp>
+      </p:grpSp>
+    </p:spTree>
+    <p:extLst>
+      <p:ext uri="{BB962C8B-B14F-4D97-AF65-F5344CB8AC3E}">
+        <p14:creationId xmlns:p14="http://schemas.microsoft.com/office/powerpoint/2010/main" val="3183967569"/>
+      </p:ext>
+    </p:extLst>
+  </p:cSld>
+  <p:clrMapOvr>
+    <a:masterClrMapping/>
+  </p:clrMapOvr>
+  <mc:AlternateContent xmlns:mc="http://schemas.openxmlformats.org/markup-compatibility/2006">
+    <mc:Choice xmlns:p14="http://schemas.microsoft.com/office/powerpoint/2010/main" Requires="p14">
+      <p:transition spd="med" p14:dur="700">
+        <p:fade/>
+      </p:transition>
+    </mc:Choice>
+    <mc:Fallback>
+      <p:transition spd="med">
+        <p:fade/>
+      </p:transition>
+    </mc:Fallback>
+  </mc:AlternateContent>
+  <p:timing>
+    <p:tnLst>
+      <p:par>
+        <p:cTn id="1" dur="indefinite" restart="never" nodeType="tmRoot"/>
+      </p:par>
+    </p:tnLst>
+  </p:timing>
+</p:sld>
+</file>
+
+<file path=ppt/slides/slide15.xml><?xml version="1.0" encoding="utf-8"?>
+<p:sld xmlns:a="http://schemas.openxmlformats.org/drawingml/2006/main" xmlns:r="http://schemas.openxmlformats.org/officeDocument/2006/relationships" xmlns:p="http://schemas.openxmlformats.org/presentationml/2006/main">
+  <p:cSld>
+    <p:spTree>
+      <p:nvGrpSpPr>
+        <p:cNvPr id="1" name=""/>
+        <p:cNvGrpSpPr/>
+        <p:nvPr/>
+      </p:nvGrpSpPr>
+      <p:grpSpPr>
+        <a:xfrm>
+          <a:off x="0" y="0"/>
+          <a:ext cx="0" cy="0"/>
+          <a:chOff x="0" y="0"/>
+          <a:chExt cx="0" cy="0"/>
+        </a:xfrm>
+      </p:grpSpPr>
+      <p:sp>
+        <p:nvSpPr>
+          <p:cNvPr id="2" name="文本框 1"/>
+          <p:cNvSpPr txBox="1"/>
+          <p:nvPr/>
+        </p:nvSpPr>
+        <p:spPr>
+          <a:xfrm flipH="1">
+            <a:off x="920337" y="498350"/>
+            <a:ext cx="2978563" cy="584775"/>
+          </a:xfrm>
+          <a:prstGeom prst="rect">
+            <a:avLst/>
+          </a:prstGeom>
+          <a:noFill/>
+        </p:spPr>
+        <p:txBody>
+          <a:bodyPr wrap="square" rtlCol="0">
+            <a:spAutoFit/>
+          </a:bodyPr>
+          <a:lstStyle/>
+          <a:p>
+            <a:r>
+              <a:rPr lang="zh-TW" altLang="en-US" sz="3200" dirty="0" smtClean="0">
+                <a:solidFill>
+                  <a:schemeClr val="tx1">
+                    <a:lumMod val="65000"/>
+                    <a:lumOff val="35000"/>
+                  </a:schemeClr>
+                </a:solidFill>
+                <a:latin typeface="微軟正黑體" panose="020B0604030504040204" pitchFamily="34" charset="-120"/>
+                <a:ea typeface="微軟正黑體" panose="020B0604030504040204" pitchFamily="34" charset="-120"/>
+                <a:cs typeface="微软雅黑" charset="0"/>
+              </a:rPr>
+              <a:t>程式流程圖</a:t>
+            </a:r>
+            <a:endParaRPr lang="en-US" altLang="zh-TW" sz="3200" dirty="0">
+              <a:solidFill>
+                <a:schemeClr val="tx1">
+                  <a:lumMod val="65000"/>
+                  <a:lumOff val="35000"/>
+                </a:schemeClr>
+              </a:solidFill>
+              <a:latin typeface="微軟正黑體" panose="020B0604030504040204" pitchFamily="34" charset="-120"/>
+              <a:ea typeface="微軟正黑體" panose="020B0604030504040204" pitchFamily="34" charset="-120"/>
+              <a:cs typeface="微软雅黑" charset="0"/>
+            </a:endParaRPr>
+          </a:p>
+        </p:txBody>
+      </p:sp>
+      <p:sp>
+        <p:nvSpPr>
+          <p:cNvPr id="3" name="等腰三角形 2"/>
+          <p:cNvSpPr/>
+          <p:nvPr/>
+        </p:nvSpPr>
+        <p:spPr>
+          <a:xfrm rot="5400000">
+            <a:off x="521304" y="606001"/>
+            <a:ext cx="428592" cy="369474"/>
+          </a:xfrm>
+          <a:prstGeom prst="triangle">
+            <a:avLst/>
+          </a:prstGeom>
+          <a:solidFill>
+            <a:schemeClr val="accent1"/>
+          </a:solidFill>
+          <a:ln>
+            <a:noFill/>
+          </a:ln>
+        </p:spPr>
+        <p:style>
+          <a:lnRef idx="2">
+            <a:schemeClr val="accent1">
+              <a:shade val="50000"/>
+            </a:schemeClr>
+          </a:lnRef>
+          <a:fillRef idx="1">
+            <a:schemeClr val="accent1"/>
+          </a:fillRef>
+          <a:effectRef idx="0">
+            <a:schemeClr val="accent1"/>
+          </a:effectRef>
+          <a:fontRef idx="minor">
+            <a:schemeClr val="lt1"/>
+          </a:fontRef>
+        </p:style>
+        <p:txBody>
+          <a:bodyPr rtlCol="0" anchor="ctr"/>
+          <a:lstStyle/>
+          <a:p>
+            <a:pPr algn="ctr"/>
+            <a:endParaRPr lang="zh-CN" altLang="en-US">
+              <a:latin typeface="微软雅黑" charset="0"/>
+              <a:ea typeface="微软雅黑" charset="0"/>
+              <a:cs typeface="微软雅黑" charset="0"/>
+            </a:endParaRPr>
+          </a:p>
+        </p:txBody>
+      </p:sp>
+      <p:pic>
+        <p:nvPicPr>
+          <p:cNvPr id="10" name="圖片 9"/>
+          <p:cNvPicPr>
+            <a:picLocks noChangeAspect="1"/>
+          </p:cNvPicPr>
+          <p:nvPr/>
+        </p:nvPicPr>
+        <p:blipFill rotWithShape="1">
+          <a:blip r:embed="rId3"/>
+          <a:srcRect b="45117"/>
+          <a:stretch/>
+        </p:blipFill>
+        <p:spPr>
+          <a:xfrm>
+            <a:off x="2056490" y="1257845"/>
+            <a:ext cx="8536526" cy="5614296"/>
+          </a:xfrm>
+          <a:prstGeom prst="rect">
+            <a:avLst/>
+          </a:prstGeom>
+        </p:spPr>
+      </p:pic>
+    </p:spTree>
+    <p:extLst>
+      <p:ext uri="{BB962C8B-B14F-4D97-AF65-F5344CB8AC3E}">
+        <p14:creationId xmlns:p14="http://schemas.microsoft.com/office/powerpoint/2010/main" val="2932112148"/>
+      </p:ext>
+    </p:extLst>
+  </p:cSld>
+  <p:clrMapOvr>
+    <a:masterClrMapping/>
+  </p:clrMapOvr>
+  <mc:AlternateContent xmlns:mc="http://schemas.openxmlformats.org/markup-compatibility/2006">
+    <mc:Choice xmlns:p14="http://schemas.microsoft.com/office/powerpoint/2010/main" Requires="p14">
+      <p:transition spd="med" p14:dur="700">
+        <p:fade/>
+      </p:transition>
+    </mc:Choice>
+    <mc:Fallback>
+      <p:transition spd="med">
+        <p:fade/>
+      </p:transition>
+    </mc:Fallback>
+  </mc:AlternateContent>
+  <p:timing>
+    <p:tnLst>
+      <p:par>
+        <p:cTn id="1" dur="indefinite" restart="never" nodeType="tmRoot"/>
+      </p:par>
+    </p:tnLst>
+  </p:timing>
+</p:sld>
+</file>
+
+<file path=ppt/slides/slide16.xml><?xml version="1.0" encoding="utf-8"?>
+<p:sld xmlns:a="http://schemas.openxmlformats.org/drawingml/2006/main" xmlns:r="http://schemas.openxmlformats.org/officeDocument/2006/relationships" xmlns:p="http://schemas.openxmlformats.org/presentationml/2006/main">
+  <p:cSld>
+    <p:spTree>
+      <p:nvGrpSpPr>
+        <p:cNvPr id="1" name=""/>
+        <p:cNvGrpSpPr/>
+        <p:nvPr/>
+      </p:nvGrpSpPr>
+      <p:grpSpPr>
+        <a:xfrm>
+          <a:off x="0" y="0"/>
+          <a:ext cx="0" cy="0"/>
+          <a:chOff x="0" y="0"/>
+          <a:chExt cx="0" cy="0"/>
+        </a:xfrm>
+      </p:grpSpPr>
+      <p:pic>
+        <p:nvPicPr>
+          <p:cNvPr id="10" name="圖片 9"/>
+          <p:cNvPicPr>
+            <a:picLocks noChangeAspect="1"/>
+          </p:cNvPicPr>
+          <p:nvPr/>
+        </p:nvPicPr>
+        <p:blipFill rotWithShape="1">
+          <a:blip r:embed="rId3"/>
+          <a:srcRect t="54503"/>
+          <a:stretch/>
+        </p:blipFill>
+        <p:spPr>
+          <a:xfrm>
+            <a:off x="2056490" y="-20320"/>
+            <a:ext cx="8536526" cy="4654117"/>
+          </a:xfrm>
+          <a:prstGeom prst="rect">
+            <a:avLst/>
+          </a:prstGeom>
+        </p:spPr>
+      </p:pic>
+      <p:grpSp>
+        <p:nvGrpSpPr>
+          <p:cNvPr id="5" name="组合 40"/>
+          <p:cNvGrpSpPr/>
+          <p:nvPr/>
+        </p:nvGrpSpPr>
+        <p:grpSpPr>
+          <a:xfrm>
+            <a:off x="0" y="6718300"/>
+            <a:ext cx="12200197" cy="139699"/>
+            <a:chOff x="234017" y="5975409"/>
+            <a:chExt cx="13144500" cy="404812"/>
+          </a:xfrm>
+        </p:grpSpPr>
+        <p:sp>
+          <p:nvSpPr>
+            <p:cNvPr id="6" name="矩形 5"/>
+            <p:cNvSpPr/>
+            <p:nvPr/>
+          </p:nvSpPr>
+          <p:spPr>
+            <a:xfrm>
+              <a:off x="234017" y="5975409"/>
+              <a:ext cx="2190750" cy="404812"/>
+            </a:xfrm>
+            <a:prstGeom prst="rect">
+              <a:avLst/>
+            </a:prstGeom>
+            <a:ln>
+              <a:noFill/>
+            </a:ln>
+          </p:spPr>
+          <p:style>
+            <a:lnRef idx="2">
+              <a:schemeClr val="accent1">
+                <a:shade val="50000"/>
+              </a:schemeClr>
+            </a:lnRef>
+            <a:fillRef idx="1">
+              <a:schemeClr val="accent1"/>
+            </a:fillRef>
+            <a:effectRef idx="0">
+              <a:schemeClr val="accent1"/>
+            </a:effectRef>
+            <a:fontRef idx="minor">
+              <a:schemeClr val="lt1"/>
+            </a:fontRef>
+          </p:style>
+          <p:txBody>
+            <a:bodyPr rtlCol="0" anchor="ctr"/>
+            <a:lstStyle/>
+            <a:p>
+              <a:pPr algn="ctr"/>
+              <a:endParaRPr lang="zh-CN" altLang="en-US">
+                <a:latin typeface="微软雅黑" charset="0"/>
+                <a:ea typeface="微软雅黑" charset="0"/>
+                <a:cs typeface="微软雅黑" charset="0"/>
+              </a:endParaRPr>
+            </a:p>
+          </p:txBody>
+        </p:sp>
+        <p:sp>
+          <p:nvSpPr>
+            <p:cNvPr id="7" name="矩形 6"/>
+            <p:cNvSpPr/>
+            <p:nvPr/>
+          </p:nvSpPr>
+          <p:spPr>
+            <a:xfrm>
+              <a:off x="2424767" y="5975409"/>
+              <a:ext cx="2190750" cy="404812"/>
+            </a:xfrm>
+            <a:prstGeom prst="rect">
+              <a:avLst/>
+            </a:prstGeom>
+            <a:solidFill>
+              <a:schemeClr val="accent2"/>
+            </a:solidFill>
+            <a:ln>
+              <a:noFill/>
+            </a:ln>
+          </p:spPr>
+          <p:style>
+            <a:lnRef idx="2">
+              <a:schemeClr val="accent1">
+                <a:shade val="50000"/>
+              </a:schemeClr>
+            </a:lnRef>
+            <a:fillRef idx="1">
+              <a:schemeClr val="accent1"/>
+            </a:fillRef>
+            <a:effectRef idx="0">
+              <a:schemeClr val="accent1"/>
+            </a:effectRef>
+            <a:fontRef idx="minor">
+              <a:schemeClr val="lt1"/>
+            </a:fontRef>
+          </p:style>
+          <p:txBody>
+            <a:bodyPr rtlCol="0" anchor="ctr"/>
+            <a:lstStyle/>
+            <a:p>
+              <a:pPr algn="ctr"/>
+              <a:endParaRPr lang="zh-CN" altLang="en-US">
+                <a:latin typeface="微软雅黑" charset="0"/>
+                <a:ea typeface="微软雅黑" charset="0"/>
+                <a:cs typeface="微软雅黑" charset="0"/>
+              </a:endParaRPr>
+            </a:p>
+          </p:txBody>
+        </p:sp>
+        <p:sp>
+          <p:nvSpPr>
+            <p:cNvPr id="8" name="矩形 7"/>
+            <p:cNvSpPr/>
+            <p:nvPr/>
+          </p:nvSpPr>
+          <p:spPr>
+            <a:xfrm>
+              <a:off x="4615517" y="5975409"/>
+              <a:ext cx="2190750" cy="404812"/>
+            </a:xfrm>
+            <a:prstGeom prst="rect">
+              <a:avLst/>
+            </a:prstGeom>
+            <a:solidFill>
+              <a:schemeClr val="accent3"/>
+            </a:solidFill>
+            <a:ln>
+              <a:noFill/>
+            </a:ln>
+          </p:spPr>
+          <p:style>
+            <a:lnRef idx="2">
+              <a:schemeClr val="accent1">
+                <a:shade val="50000"/>
+              </a:schemeClr>
+            </a:lnRef>
+            <a:fillRef idx="1">
+              <a:schemeClr val="accent1"/>
+            </a:fillRef>
+            <a:effectRef idx="0">
+              <a:schemeClr val="accent1"/>
+            </a:effectRef>
+            <a:fontRef idx="minor">
+              <a:schemeClr val="lt1"/>
+            </a:fontRef>
+          </p:style>
+          <p:txBody>
+            <a:bodyPr rtlCol="0" anchor="ctr"/>
+            <a:lstStyle/>
+            <a:p>
+              <a:pPr algn="ctr"/>
+              <a:endParaRPr lang="zh-CN" altLang="en-US">
+                <a:latin typeface="微软雅黑" charset="0"/>
+                <a:ea typeface="微软雅黑" charset="0"/>
+                <a:cs typeface="微软雅黑" charset="0"/>
+              </a:endParaRPr>
+            </a:p>
+          </p:txBody>
+        </p:sp>
+        <p:sp>
+          <p:nvSpPr>
+            <p:cNvPr id="9" name="矩形 8"/>
+            <p:cNvSpPr/>
+            <p:nvPr/>
+          </p:nvSpPr>
+          <p:spPr>
+            <a:xfrm>
+              <a:off x="8997017" y="5975409"/>
+              <a:ext cx="2190750" cy="404812"/>
+            </a:xfrm>
+            <a:prstGeom prst="rect">
+              <a:avLst/>
+            </a:prstGeom>
+            <a:solidFill>
+              <a:schemeClr val="accent5"/>
+            </a:solidFill>
+            <a:ln>
+              <a:noFill/>
+            </a:ln>
+          </p:spPr>
+          <p:style>
+            <a:lnRef idx="2">
+              <a:schemeClr val="accent1">
+                <a:shade val="50000"/>
+              </a:schemeClr>
+            </a:lnRef>
+            <a:fillRef idx="1">
+              <a:schemeClr val="accent1"/>
+            </a:fillRef>
+            <a:effectRef idx="0">
+              <a:schemeClr val="accent1"/>
+            </a:effectRef>
+            <a:fontRef idx="minor">
+              <a:schemeClr val="lt1"/>
+            </a:fontRef>
+          </p:style>
+          <p:txBody>
+            <a:bodyPr rtlCol="0" anchor="ctr"/>
+            <a:lstStyle/>
+            <a:p>
+              <a:pPr algn="ctr"/>
+              <a:endParaRPr lang="zh-CN" altLang="en-US">
+                <a:latin typeface="微软雅黑" charset="0"/>
+                <a:ea typeface="微软雅黑" charset="0"/>
+                <a:cs typeface="微软雅黑" charset="0"/>
+              </a:endParaRPr>
+            </a:p>
+          </p:txBody>
+        </p:sp>
+        <p:sp>
+          <p:nvSpPr>
+            <p:cNvPr id="11" name="矩形 10"/>
+            <p:cNvSpPr/>
+            <p:nvPr/>
+          </p:nvSpPr>
+          <p:spPr>
+            <a:xfrm>
+              <a:off x="6806268" y="5975409"/>
+              <a:ext cx="2190750" cy="404812"/>
+            </a:xfrm>
+            <a:prstGeom prst="rect">
+              <a:avLst/>
+            </a:prstGeom>
+            <a:solidFill>
+              <a:schemeClr val="accent4"/>
+            </a:solidFill>
+            <a:ln>
+              <a:noFill/>
+            </a:ln>
+          </p:spPr>
+          <p:style>
+            <a:lnRef idx="2">
+              <a:schemeClr val="accent1">
+                <a:shade val="50000"/>
+              </a:schemeClr>
+            </a:lnRef>
+            <a:fillRef idx="1">
+              <a:schemeClr val="accent1"/>
+            </a:fillRef>
+            <a:effectRef idx="0">
+              <a:schemeClr val="accent1"/>
+            </a:effectRef>
+            <a:fontRef idx="minor">
+              <a:schemeClr val="lt1"/>
+            </a:fontRef>
+          </p:style>
+          <p:txBody>
+            <a:bodyPr rtlCol="0" anchor="ctr"/>
+            <a:lstStyle/>
+            <a:p>
+              <a:pPr algn="ctr"/>
+              <a:endParaRPr lang="zh-CN" altLang="en-US">
+                <a:latin typeface="微软雅黑" charset="0"/>
+                <a:ea typeface="微软雅黑" charset="0"/>
+                <a:cs typeface="微软雅黑" charset="0"/>
+              </a:endParaRPr>
+            </a:p>
+          </p:txBody>
+        </p:sp>
+        <p:sp>
+          <p:nvSpPr>
+            <p:cNvPr id="12" name="矩形 11"/>
+            <p:cNvSpPr/>
+            <p:nvPr/>
+          </p:nvSpPr>
+          <p:spPr>
+            <a:xfrm>
+              <a:off x="11187767" y="5975409"/>
+              <a:ext cx="2190750" cy="404812"/>
+            </a:xfrm>
+            <a:prstGeom prst="rect">
+              <a:avLst/>
+            </a:prstGeom>
+            <a:solidFill>
+              <a:schemeClr val="accent6"/>
+            </a:solidFill>
+            <a:ln>
+              <a:noFill/>
+            </a:ln>
+          </p:spPr>
+          <p:style>
+            <a:lnRef idx="2">
+              <a:schemeClr val="accent1">
+                <a:shade val="50000"/>
+              </a:schemeClr>
+            </a:lnRef>
+            <a:fillRef idx="1">
+              <a:schemeClr val="accent1"/>
+            </a:fillRef>
+            <a:effectRef idx="0">
+              <a:schemeClr val="accent1"/>
+            </a:effectRef>
+            <a:fontRef idx="minor">
+              <a:schemeClr val="lt1"/>
+            </a:fontRef>
+          </p:style>
+          <p:txBody>
+            <a:bodyPr rtlCol="0" anchor="ctr"/>
+            <a:lstStyle/>
+            <a:p>
+              <a:pPr algn="ctr"/>
+              <a:endParaRPr lang="zh-CN" altLang="en-US">
+                <a:latin typeface="微软雅黑" charset="0"/>
+                <a:ea typeface="微软雅黑" charset="0"/>
+                <a:cs typeface="微软雅黑" charset="0"/>
+              </a:endParaRPr>
+            </a:p>
+          </p:txBody>
+        </p:sp>
+      </p:grpSp>
+    </p:spTree>
+    <p:extLst>
+      <p:ext uri="{BB962C8B-B14F-4D97-AF65-F5344CB8AC3E}">
+        <p14:creationId xmlns:p14="http://schemas.microsoft.com/office/powerpoint/2010/main" val="3028883099"/>
+      </p:ext>
+    </p:extLst>
+  </p:cSld>
+  <p:clrMapOvr>
+    <a:masterClrMapping/>
+  </p:clrMapOvr>
+  <p:transition spd="slow">
+    <p:push dir="u"/>
+  </p:transition>
+  <p:timing>
+    <p:tnLst>
+      <p:par>
+        <p:cTn id="1" dur="indefinite" restart="never" nodeType="tmRoot"/>
+      </p:par>
+    </p:tnLst>
+  </p:timing>
+</p:sld>
+</file>
+
+<file path=ppt/slides/slide17.xml><?xml version="1.0" encoding="utf-8"?>
+<p:sld xmlns:a="http://schemas.openxmlformats.org/drawingml/2006/main" xmlns:r="http://schemas.openxmlformats.org/officeDocument/2006/relationships" xmlns:p="http://schemas.openxmlformats.org/presentationml/2006/main">
+  <p:cSld>
+    <p:spTree>
+      <p:nvGrpSpPr>
+        <p:cNvPr id="1" name=""/>
+        <p:cNvGrpSpPr/>
+        <p:nvPr/>
+      </p:nvGrpSpPr>
+      <p:grpSpPr>
+        <a:xfrm>
+          <a:off x="0" y="0"/>
+          <a:ext cx="0" cy="0"/>
+          <a:chOff x="0" y="0"/>
+          <a:chExt cx="0" cy="0"/>
+        </a:xfrm>
+      </p:grpSpPr>
+      <p:sp>
+        <p:nvSpPr>
+          <p:cNvPr id="2" name="文本框 1"/>
+          <p:cNvSpPr txBox="1"/>
+          <p:nvPr/>
+        </p:nvSpPr>
+        <p:spPr>
+          <a:xfrm flipH="1">
+            <a:off x="920337" y="498350"/>
+            <a:ext cx="2978563" cy="584775"/>
+          </a:xfrm>
+          <a:prstGeom prst="rect">
+            <a:avLst/>
+          </a:prstGeom>
+          <a:noFill/>
+        </p:spPr>
+        <p:txBody>
+          <a:bodyPr wrap="square" rtlCol="0">
+            <a:spAutoFit/>
+          </a:bodyPr>
+          <a:lstStyle/>
+          <a:p>
+            <a:r>
+              <a:rPr lang="zh-TW" altLang="en-US" sz="3200" dirty="0" smtClean="0">
+                <a:solidFill>
+                  <a:schemeClr val="tx1">
+                    <a:lumMod val="65000"/>
+                    <a:lumOff val="35000"/>
+                  </a:schemeClr>
+                </a:solidFill>
+                <a:latin typeface="微軟正黑體" panose="020B0604030504040204" pitchFamily="34" charset="-120"/>
+                <a:ea typeface="微軟正黑體" panose="020B0604030504040204" pitchFamily="34" charset="-120"/>
+                <a:cs typeface="微软雅黑" charset="0"/>
+              </a:rPr>
+              <a:t>程式架構圖</a:t>
+            </a:r>
+            <a:endParaRPr lang="en-US" altLang="zh-TW" sz="3200" dirty="0">
+              <a:solidFill>
+                <a:schemeClr val="tx1">
+                  <a:lumMod val="65000"/>
+                  <a:lumOff val="35000"/>
+                </a:schemeClr>
+              </a:solidFill>
+              <a:latin typeface="微軟正黑體" panose="020B0604030504040204" pitchFamily="34" charset="-120"/>
+              <a:ea typeface="微軟正黑體" panose="020B0604030504040204" pitchFamily="34" charset="-120"/>
+              <a:cs typeface="微软雅黑" charset="0"/>
+            </a:endParaRPr>
+          </a:p>
+        </p:txBody>
+      </p:sp>
+      <p:sp>
+        <p:nvSpPr>
+          <p:cNvPr id="3" name="等腰三角形 2"/>
+          <p:cNvSpPr/>
+          <p:nvPr/>
+        </p:nvSpPr>
+        <p:spPr>
+          <a:xfrm rot="5400000">
+            <a:off x="521304" y="606001"/>
+            <a:ext cx="428592" cy="369474"/>
+          </a:xfrm>
+          <a:prstGeom prst="triangle">
+            <a:avLst/>
+          </a:prstGeom>
+          <a:solidFill>
+            <a:schemeClr val="accent1"/>
+          </a:solidFill>
+          <a:ln>
+            <a:noFill/>
+          </a:ln>
+        </p:spPr>
+        <p:style>
+          <a:lnRef idx="2">
+            <a:schemeClr val="accent1">
+              <a:shade val="50000"/>
+            </a:schemeClr>
+          </a:lnRef>
+          <a:fillRef idx="1">
+            <a:schemeClr val="accent1"/>
+          </a:fillRef>
+          <a:effectRef idx="0">
+            <a:schemeClr val="accent1"/>
+          </a:effectRef>
+          <a:fontRef idx="minor">
+            <a:schemeClr val="lt1"/>
+          </a:fontRef>
+        </p:style>
+        <p:txBody>
+          <a:bodyPr rtlCol="0" anchor="ctr"/>
+          <a:lstStyle/>
+          <a:p>
+            <a:pPr algn="ctr"/>
+            <a:endParaRPr lang="zh-CN" altLang="en-US">
+              <a:latin typeface="微软雅黑" charset="0"/>
+              <a:ea typeface="微软雅黑" charset="0"/>
+              <a:cs typeface="微软雅黑" charset="0"/>
+            </a:endParaRPr>
+          </a:p>
+        </p:txBody>
+      </p:sp>
+      <p:grpSp>
+        <p:nvGrpSpPr>
+          <p:cNvPr id="23" name="组合 40"/>
+          <p:cNvGrpSpPr/>
+          <p:nvPr/>
+        </p:nvGrpSpPr>
+        <p:grpSpPr>
+          <a:xfrm>
+            <a:off x="0" y="6718300"/>
+            <a:ext cx="12200197" cy="139699"/>
+            <a:chOff x="234017" y="5975409"/>
+            <a:chExt cx="13144500" cy="404812"/>
+          </a:xfrm>
+        </p:grpSpPr>
+        <p:sp>
+          <p:nvSpPr>
+            <p:cNvPr id="24" name="矩形 23"/>
+            <p:cNvSpPr/>
+            <p:nvPr/>
+          </p:nvSpPr>
+          <p:spPr>
+            <a:xfrm>
+              <a:off x="234017" y="5975409"/>
+              <a:ext cx="2190750" cy="404812"/>
+            </a:xfrm>
+            <a:prstGeom prst="rect">
+              <a:avLst/>
+            </a:prstGeom>
+            <a:ln>
+              <a:noFill/>
+            </a:ln>
+          </p:spPr>
+          <p:style>
+            <a:lnRef idx="2">
+              <a:schemeClr val="accent1">
+                <a:shade val="50000"/>
+              </a:schemeClr>
+            </a:lnRef>
+            <a:fillRef idx="1">
+              <a:schemeClr val="accent1"/>
+            </a:fillRef>
+            <a:effectRef idx="0">
+              <a:schemeClr val="accent1"/>
+            </a:effectRef>
+            <a:fontRef idx="minor">
+              <a:schemeClr val="lt1"/>
+            </a:fontRef>
+          </p:style>
+          <p:txBody>
+            <a:bodyPr rtlCol="0" anchor="ctr"/>
+            <a:lstStyle/>
+            <a:p>
+              <a:pPr algn="ctr"/>
+              <a:endParaRPr lang="zh-CN" altLang="en-US">
+                <a:latin typeface="微软雅黑" charset="0"/>
+                <a:ea typeface="微软雅黑" charset="0"/>
+                <a:cs typeface="微软雅黑" charset="0"/>
+              </a:endParaRPr>
+            </a:p>
+          </p:txBody>
+        </p:sp>
+        <p:sp>
+          <p:nvSpPr>
+            <p:cNvPr id="25" name="矩形 24"/>
+            <p:cNvSpPr/>
+            <p:nvPr/>
+          </p:nvSpPr>
+          <p:spPr>
+            <a:xfrm>
+              <a:off x="2424767" y="5975409"/>
+              <a:ext cx="2190750" cy="404812"/>
+            </a:xfrm>
+            <a:prstGeom prst="rect">
+              <a:avLst/>
+            </a:prstGeom>
+            <a:solidFill>
+              <a:schemeClr val="accent2"/>
+            </a:solidFill>
+            <a:ln>
+              <a:noFill/>
+            </a:ln>
+          </p:spPr>
+          <p:style>
+            <a:lnRef idx="2">
+              <a:schemeClr val="accent1">
+                <a:shade val="50000"/>
+              </a:schemeClr>
+            </a:lnRef>
+            <a:fillRef idx="1">
+              <a:schemeClr val="accent1"/>
+            </a:fillRef>
+            <a:effectRef idx="0">
+              <a:schemeClr val="accent1"/>
+            </a:effectRef>
+            <a:fontRef idx="minor">
+              <a:schemeClr val="lt1"/>
+            </a:fontRef>
+          </p:style>
+          <p:txBody>
+            <a:bodyPr rtlCol="0" anchor="ctr"/>
+            <a:lstStyle/>
+            <a:p>
+              <a:pPr algn="ctr"/>
+              <a:endParaRPr lang="zh-CN" altLang="en-US">
+                <a:latin typeface="微软雅黑" charset="0"/>
+                <a:ea typeface="微软雅黑" charset="0"/>
+                <a:cs typeface="微软雅黑" charset="0"/>
+              </a:endParaRPr>
+            </a:p>
+          </p:txBody>
+        </p:sp>
+        <p:sp>
+          <p:nvSpPr>
+            <p:cNvPr id="26" name="矩形 25"/>
+            <p:cNvSpPr/>
+            <p:nvPr/>
+          </p:nvSpPr>
+          <p:spPr>
+            <a:xfrm>
+              <a:off x="4615517" y="5975409"/>
+              <a:ext cx="2190750" cy="404812"/>
+            </a:xfrm>
+            <a:prstGeom prst="rect">
+              <a:avLst/>
+            </a:prstGeom>
+            <a:solidFill>
+              <a:schemeClr val="accent3"/>
+            </a:solidFill>
+            <a:ln>
+              <a:noFill/>
+            </a:ln>
+          </p:spPr>
+          <p:style>
+            <a:lnRef idx="2">
+              <a:schemeClr val="accent1">
+                <a:shade val="50000"/>
+              </a:schemeClr>
+            </a:lnRef>
+            <a:fillRef idx="1">
+              <a:schemeClr val="accent1"/>
+            </a:fillRef>
+            <a:effectRef idx="0">
+              <a:schemeClr val="accent1"/>
+            </a:effectRef>
+            <a:fontRef idx="minor">
+              <a:schemeClr val="lt1"/>
+            </a:fontRef>
+          </p:style>
+          <p:txBody>
+            <a:bodyPr rtlCol="0" anchor="ctr"/>
+            <a:lstStyle/>
+            <a:p>
+              <a:pPr algn="ctr"/>
+              <a:endParaRPr lang="zh-CN" altLang="en-US">
+                <a:latin typeface="微软雅黑" charset="0"/>
+                <a:ea typeface="微软雅黑" charset="0"/>
+                <a:cs typeface="微软雅黑" charset="0"/>
+              </a:endParaRPr>
+            </a:p>
+          </p:txBody>
+        </p:sp>
+        <p:sp>
+          <p:nvSpPr>
+            <p:cNvPr id="27" name="矩形 26"/>
+            <p:cNvSpPr/>
+            <p:nvPr/>
+          </p:nvSpPr>
+          <p:spPr>
+            <a:xfrm>
+              <a:off x="8997017" y="5975409"/>
+              <a:ext cx="2190750" cy="404812"/>
+            </a:xfrm>
+            <a:prstGeom prst="rect">
+              <a:avLst/>
+            </a:prstGeom>
+            <a:solidFill>
+              <a:schemeClr val="accent5"/>
+            </a:solidFill>
+            <a:ln>
+              <a:noFill/>
+            </a:ln>
+          </p:spPr>
+          <p:style>
+            <a:lnRef idx="2">
+              <a:schemeClr val="accent1">
+                <a:shade val="50000"/>
+              </a:schemeClr>
+            </a:lnRef>
+            <a:fillRef idx="1">
+              <a:schemeClr val="accent1"/>
+            </a:fillRef>
+            <a:effectRef idx="0">
+              <a:schemeClr val="accent1"/>
+            </a:effectRef>
+            <a:fontRef idx="minor">
+              <a:schemeClr val="lt1"/>
+            </a:fontRef>
+          </p:style>
+          <p:txBody>
+            <a:bodyPr rtlCol="0" anchor="ctr"/>
+            <a:lstStyle/>
+            <a:p>
+              <a:pPr algn="ctr"/>
+              <a:endParaRPr lang="zh-CN" altLang="en-US">
+                <a:latin typeface="微软雅黑" charset="0"/>
+                <a:ea typeface="微软雅黑" charset="0"/>
+                <a:cs typeface="微软雅黑" charset="0"/>
+              </a:endParaRPr>
+            </a:p>
+          </p:txBody>
+        </p:sp>
+        <p:sp>
+          <p:nvSpPr>
+            <p:cNvPr id="28" name="矩形 27"/>
+            <p:cNvSpPr/>
+            <p:nvPr/>
+          </p:nvSpPr>
+          <p:spPr>
+            <a:xfrm>
+              <a:off x="6806268" y="5975409"/>
+              <a:ext cx="2190750" cy="404812"/>
+            </a:xfrm>
+            <a:prstGeom prst="rect">
+              <a:avLst/>
+            </a:prstGeom>
+            <a:solidFill>
+              <a:schemeClr val="accent4"/>
+            </a:solidFill>
+            <a:ln>
+              <a:noFill/>
+            </a:ln>
+          </p:spPr>
+          <p:style>
+            <a:lnRef idx="2">
+              <a:schemeClr val="accent1">
+                <a:shade val="50000"/>
+              </a:schemeClr>
+            </a:lnRef>
+            <a:fillRef idx="1">
+              <a:schemeClr val="accent1"/>
+            </a:fillRef>
+            <a:effectRef idx="0">
+              <a:schemeClr val="accent1"/>
+            </a:effectRef>
+            <a:fontRef idx="minor">
+              <a:schemeClr val="lt1"/>
+            </a:fontRef>
+          </p:style>
+          <p:txBody>
+            <a:bodyPr rtlCol="0" anchor="ctr"/>
+            <a:lstStyle/>
+            <a:p>
+              <a:pPr algn="ctr"/>
+              <a:endParaRPr lang="zh-CN" altLang="en-US">
+                <a:latin typeface="微软雅黑" charset="0"/>
+                <a:ea typeface="微软雅黑" charset="0"/>
+                <a:cs typeface="微软雅黑" charset="0"/>
+              </a:endParaRPr>
+            </a:p>
+          </p:txBody>
+        </p:sp>
+        <p:sp>
+          <p:nvSpPr>
+            <p:cNvPr id="29" name="矩形 28"/>
+            <p:cNvSpPr/>
+            <p:nvPr/>
+          </p:nvSpPr>
+          <p:spPr>
+            <a:xfrm>
+              <a:off x="11187767" y="5975409"/>
+              <a:ext cx="2190750" cy="404812"/>
+            </a:xfrm>
+            <a:prstGeom prst="rect">
+              <a:avLst/>
+            </a:prstGeom>
+            <a:solidFill>
+              <a:schemeClr val="accent6"/>
+            </a:solidFill>
+            <a:ln>
+              <a:noFill/>
+            </a:ln>
+          </p:spPr>
+          <p:style>
+            <a:lnRef idx="2">
+              <a:schemeClr val="accent1">
+                <a:shade val="50000"/>
+              </a:schemeClr>
+            </a:lnRef>
+            <a:fillRef idx="1">
+              <a:schemeClr val="accent1"/>
+            </a:fillRef>
+            <a:effectRef idx="0">
+              <a:schemeClr val="accent1"/>
+            </a:effectRef>
+            <a:fontRef idx="minor">
+              <a:schemeClr val="lt1"/>
+            </a:fontRef>
+          </p:style>
+          <p:txBody>
+            <a:bodyPr rtlCol="0" anchor="ctr"/>
+            <a:lstStyle/>
+            <a:p>
+              <a:pPr algn="ctr"/>
+              <a:endParaRPr lang="zh-CN" altLang="en-US">
+                <a:latin typeface="微软雅黑" charset="0"/>
+                <a:ea typeface="微软雅黑" charset="0"/>
+                <a:cs typeface="微软雅黑" charset="0"/>
+              </a:endParaRPr>
+            </a:p>
+          </p:txBody>
+        </p:sp>
+      </p:grpSp>
+      <p:cxnSp>
+        <p:nvCxnSpPr>
+          <p:cNvPr id="90" name="直線單箭頭接點 89"/>
+          <p:cNvCxnSpPr>
+            <a:stCxn id="22" idx="0"/>
+            <a:endCxn id="84" idx="2"/>
+          </p:cNvCxnSpPr>
+          <p:nvPr/>
+        </p:nvCxnSpPr>
+        <p:spPr>
+          <a:xfrm flipV="1">
+            <a:off x="2236889" y="2850761"/>
+            <a:ext cx="0" cy="1205129"/>
+          </a:xfrm>
+          <a:prstGeom prst="straightConnector1">
+            <a:avLst/>
+          </a:prstGeom>
+          <a:ln>
+            <a:tailEnd type="triangle"/>
+          </a:ln>
+        </p:spPr>
+        <p:style>
+          <a:lnRef idx="1">
+            <a:schemeClr val="accent1"/>
+          </a:lnRef>
+          <a:fillRef idx="0">
+            <a:schemeClr val="accent1"/>
+          </a:fillRef>
+          <a:effectRef idx="0">
+            <a:schemeClr val="accent1"/>
+          </a:effectRef>
+          <a:fontRef idx="minor">
+            <a:schemeClr val="tx1"/>
+          </a:fontRef>
+        </p:style>
+      </p:cxnSp>
+      <p:grpSp>
+        <p:nvGrpSpPr>
+          <p:cNvPr id="97" name="群組 96"/>
+          <p:cNvGrpSpPr/>
+          <p:nvPr/>
+        </p:nvGrpSpPr>
+        <p:grpSpPr>
+          <a:xfrm>
+            <a:off x="1585733" y="1483783"/>
+            <a:ext cx="9597781" cy="3939085"/>
+            <a:chOff x="1585733" y="1483783"/>
+            <a:chExt cx="9597781" cy="3939085"/>
+          </a:xfrm>
+        </p:grpSpPr>
+        <p:grpSp>
+          <p:nvGrpSpPr>
+            <p:cNvPr id="94" name="群組 93"/>
+            <p:cNvGrpSpPr/>
+            <p:nvPr/>
+          </p:nvGrpSpPr>
+          <p:grpSpPr>
+            <a:xfrm>
+              <a:off x="1585733" y="1483783"/>
+              <a:ext cx="9597781" cy="3939085"/>
+              <a:chOff x="1585733" y="1483783"/>
+              <a:chExt cx="9597781" cy="3939085"/>
+            </a:xfrm>
+          </p:grpSpPr>
+          <p:grpSp>
+            <p:nvGrpSpPr>
+              <p:cNvPr id="89" name="群組 88"/>
+              <p:cNvGrpSpPr/>
+              <p:nvPr/>
+            </p:nvGrpSpPr>
+            <p:grpSpPr>
+              <a:xfrm>
+                <a:off x="1585733" y="1483783"/>
+                <a:ext cx="9597781" cy="3939085"/>
+                <a:chOff x="1758462" y="1408369"/>
+                <a:chExt cx="9597781" cy="3939085"/>
+              </a:xfrm>
+            </p:grpSpPr>
+            <p:grpSp>
+              <p:nvGrpSpPr>
+                <p:cNvPr id="86" name="群組 85"/>
+                <p:cNvGrpSpPr/>
+                <p:nvPr/>
+              </p:nvGrpSpPr>
+              <p:grpSpPr>
+                <a:xfrm>
+                  <a:off x="1758462" y="1408369"/>
+                  <a:ext cx="9597781" cy="3939085"/>
+                  <a:chOff x="1758462" y="1408369"/>
+                  <a:chExt cx="9597781" cy="3939085"/>
+                </a:xfrm>
+              </p:grpSpPr>
+              <p:grpSp>
+                <p:nvGrpSpPr>
+                  <p:cNvPr id="85" name="群組 84"/>
+                  <p:cNvGrpSpPr/>
+                  <p:nvPr/>
+                </p:nvGrpSpPr>
+                <p:grpSpPr>
+                  <a:xfrm>
+                    <a:off x="1758462" y="1408369"/>
+                    <a:ext cx="9597781" cy="3939085"/>
+                    <a:chOff x="367530" y="1404502"/>
+                    <a:chExt cx="9597781" cy="3939085"/>
+                  </a:xfrm>
+                </p:grpSpPr>
+                <p:sp>
+                  <p:nvSpPr>
+                    <p:cNvPr id="30" name="矩形 29"/>
+                    <p:cNvSpPr/>
+                    <p:nvPr/>
+                  </p:nvSpPr>
+                  <p:spPr>
+                    <a:xfrm>
+                      <a:off x="4895492" y="4044412"/>
+                      <a:ext cx="1741599" cy="646331"/>
+                    </a:xfrm>
+                    <a:prstGeom prst="rect">
+                      <a:avLst/>
+                    </a:prstGeom>
+                  </p:spPr>
+                  <p:txBody>
+                    <a:bodyPr wrap="square">
+                      <a:spAutoFit/>
+                    </a:bodyPr>
+                    <a:lstStyle/>
+                    <a:p>
+                      <a:pPr algn="ctr"/>
+                      <a:r>
+                        <a:rPr lang="zh-TW" altLang="en-US" dirty="0" smtClean="0">
+                          <a:latin typeface="微軟正黑體" panose="020B0604030504040204" pitchFamily="34" charset="-120"/>
+                          <a:ea typeface="微軟正黑體" panose="020B0604030504040204" pitchFamily="34" charset="-120"/>
+                        </a:rPr>
+                        <a:t>根據選擇的攻擊模式擊球</a:t>
+                      </a:r>
+                      <a:endParaRPr lang="zh-TW" altLang="en-US" dirty="0">
+                        <a:latin typeface="微軟正黑體" panose="020B0604030504040204" pitchFamily="34" charset="-120"/>
+                        <a:ea typeface="微軟正黑體" panose="020B0604030504040204" pitchFamily="34" charset="-120"/>
+                      </a:endParaRPr>
+                    </a:p>
+                  </p:txBody>
+                </p:sp>
+                <p:grpSp>
+                  <p:nvGrpSpPr>
+                    <p:cNvPr id="83" name="群組 82"/>
+                    <p:cNvGrpSpPr/>
+                    <p:nvPr/>
+                  </p:nvGrpSpPr>
+                  <p:grpSpPr>
+                    <a:xfrm>
+                      <a:off x="367530" y="1404502"/>
+                      <a:ext cx="9597781" cy="3939085"/>
+                      <a:chOff x="367530" y="1404502"/>
+                      <a:chExt cx="9597781" cy="3939085"/>
+                    </a:xfrm>
+                  </p:grpSpPr>
+                  <p:grpSp>
+                    <p:nvGrpSpPr>
+                      <p:cNvPr id="70" name="群組 69"/>
+                      <p:cNvGrpSpPr/>
+                      <p:nvPr/>
+                    </p:nvGrpSpPr>
+                    <p:grpSpPr>
+                      <a:xfrm>
+                        <a:off x="367530" y="1404502"/>
+                        <a:ext cx="9597781" cy="3939085"/>
+                        <a:chOff x="-914515" y="1319661"/>
+                        <a:chExt cx="9597781" cy="3939085"/>
+                      </a:xfrm>
+                    </p:grpSpPr>
+                    <p:sp>
+                      <p:nvSpPr>
+                        <p:cNvPr id="18" name="矩形 17"/>
+                        <p:cNvSpPr/>
+                        <p:nvPr/>
+                      </p:nvSpPr>
+                      <p:spPr>
+                        <a:xfrm>
+                          <a:off x="7192866" y="2196884"/>
+                          <a:ext cx="1490400" cy="2585323"/>
+                        </a:xfrm>
+                        <a:prstGeom prst="rect">
+                          <a:avLst/>
+                        </a:prstGeom>
+                      </p:spPr>
+                      <p:txBody>
+                        <a:bodyPr wrap="square">
+                          <a:spAutoFit/>
+                        </a:bodyPr>
+                        <a:lstStyle/>
+                        <a:p>
+                          <a:pPr algn="ctr"/>
+                          <a:r>
+                            <a:rPr lang="zh-TW" altLang="en-US" dirty="0" smtClean="0">
+                              <a:latin typeface="微軟正黑體" panose="020B0604030504040204" pitchFamily="34" charset="-120"/>
+                              <a:ea typeface="微軟正黑體" panose="020B0604030504040204" pitchFamily="34" charset="-120"/>
+                            </a:rPr>
+                            <a:t>不</a:t>
+                          </a:r>
+                          <a:endParaRPr lang="en-US" altLang="zh-TW" dirty="0" smtClean="0">
+                            <a:latin typeface="微軟正黑體" panose="020B0604030504040204" pitchFamily="34" charset="-120"/>
+                            <a:ea typeface="微軟正黑體" panose="020B0604030504040204" pitchFamily="34" charset="-120"/>
+                          </a:endParaRPr>
+                        </a:p>
+                        <a:p>
+                          <a:pPr algn="ctr"/>
+                          <a:r>
+                            <a:rPr lang="zh-TW" altLang="en-US" dirty="0" smtClean="0">
+                              <a:latin typeface="微軟正黑體" panose="020B0604030504040204" pitchFamily="34" charset="-120"/>
+                              <a:ea typeface="微軟正黑體" panose="020B0604030504040204" pitchFamily="34" charset="-120"/>
+                            </a:rPr>
+                            <a:t>能</a:t>
+                          </a:r>
+                          <a:endParaRPr lang="en-US" altLang="zh-TW" dirty="0" smtClean="0">
+                            <a:latin typeface="微軟正黑體" panose="020B0604030504040204" pitchFamily="34" charset="-120"/>
+                            <a:ea typeface="微軟正黑體" panose="020B0604030504040204" pitchFamily="34" charset="-120"/>
+                          </a:endParaRPr>
+                        </a:p>
+                        <a:p>
+                          <a:pPr algn="ctr"/>
+                          <a:r>
+                            <a:rPr lang="zh-TW" altLang="en-US" dirty="0" smtClean="0">
+                              <a:latin typeface="微軟正黑體" panose="020B0604030504040204" pitchFamily="34" charset="-120"/>
+                              <a:ea typeface="微軟正黑體" panose="020B0604030504040204" pitchFamily="34" charset="-120"/>
+                            </a:rPr>
+                            <a:t>使</a:t>
+                          </a:r>
+                          <a:endParaRPr lang="en-US" altLang="zh-TW" dirty="0" smtClean="0">
+                            <a:latin typeface="微軟正黑體" panose="020B0604030504040204" pitchFamily="34" charset="-120"/>
+                            <a:ea typeface="微軟正黑體" panose="020B0604030504040204" pitchFamily="34" charset="-120"/>
+                          </a:endParaRPr>
+                        </a:p>
+                        <a:p>
+                          <a:pPr algn="ctr"/>
+                          <a:r>
+                            <a:rPr lang="zh-TW" altLang="en-US" dirty="0" smtClean="0">
+                              <a:latin typeface="微軟正黑體" panose="020B0604030504040204" pitchFamily="34" charset="-120"/>
+                              <a:ea typeface="微軟正黑體" panose="020B0604030504040204" pitchFamily="34" charset="-120"/>
+                            </a:rPr>
+                            <a:t>用</a:t>
+                          </a:r>
+                          <a:endParaRPr lang="en-US" altLang="zh-TW" dirty="0" smtClean="0">
+                            <a:latin typeface="微軟正黑體" panose="020B0604030504040204" pitchFamily="34" charset="-120"/>
+                            <a:ea typeface="微軟正黑體" panose="020B0604030504040204" pitchFamily="34" charset="-120"/>
+                          </a:endParaRPr>
+                        </a:p>
+                        <a:p>
+                          <a:pPr algn="ctr"/>
+                          <a:r>
+                            <a:rPr lang="zh-TW" altLang="en-US" dirty="0" smtClean="0">
+                              <a:latin typeface="微軟正黑體" panose="020B0604030504040204" pitchFamily="34" charset="-120"/>
+                              <a:ea typeface="微軟正黑體" panose="020B0604030504040204" pitchFamily="34" charset="-120"/>
+                            </a:rPr>
+                            <a:t>的</a:t>
+                          </a:r>
+                          <a:endParaRPr lang="en-US" altLang="zh-TW" dirty="0" smtClean="0">
+                            <a:latin typeface="微軟正黑體" panose="020B0604030504040204" pitchFamily="34" charset="-120"/>
+                            <a:ea typeface="微軟正黑體" panose="020B0604030504040204" pitchFamily="34" charset="-120"/>
+                          </a:endParaRPr>
+                        </a:p>
+                        <a:p>
+                          <a:pPr algn="ctr"/>
+                          <a:r>
+                            <a:rPr lang="zh-TW" altLang="en-US" dirty="0" smtClean="0">
+                              <a:latin typeface="微軟正黑體" panose="020B0604030504040204" pitchFamily="34" charset="-120"/>
+                              <a:ea typeface="微軟正黑體" panose="020B0604030504040204" pitchFamily="34" charset="-120"/>
+                            </a:rPr>
+                            <a:t>攻</a:t>
+                          </a:r>
+                          <a:endParaRPr lang="en-US" altLang="zh-TW" dirty="0" smtClean="0">
+                            <a:latin typeface="微軟正黑體" panose="020B0604030504040204" pitchFamily="34" charset="-120"/>
+                            <a:ea typeface="微軟正黑體" panose="020B0604030504040204" pitchFamily="34" charset="-120"/>
+                          </a:endParaRPr>
+                        </a:p>
+                        <a:p>
+                          <a:pPr algn="ctr"/>
+                          <a:r>
+                            <a:rPr lang="zh-TW" altLang="en-US" dirty="0" smtClean="0">
+                              <a:latin typeface="微軟正黑體" panose="020B0604030504040204" pitchFamily="34" charset="-120"/>
+                              <a:ea typeface="微軟正黑體" panose="020B0604030504040204" pitchFamily="34" charset="-120"/>
+                            </a:rPr>
+                            <a:t>擊</a:t>
+                          </a:r>
+                          <a:endParaRPr lang="en-US" altLang="zh-TW" dirty="0" smtClean="0">
+                            <a:latin typeface="微軟正黑體" panose="020B0604030504040204" pitchFamily="34" charset="-120"/>
+                            <a:ea typeface="微軟正黑體" panose="020B0604030504040204" pitchFamily="34" charset="-120"/>
+                          </a:endParaRPr>
+                        </a:p>
+                        <a:p>
+                          <a:pPr algn="ctr"/>
+                          <a:r>
+                            <a:rPr lang="zh-TW" altLang="en-US" dirty="0" smtClean="0">
+                              <a:latin typeface="微軟正黑體" panose="020B0604030504040204" pitchFamily="34" charset="-120"/>
+                              <a:ea typeface="微軟正黑體" panose="020B0604030504040204" pitchFamily="34" charset="-120"/>
+                            </a:rPr>
+                            <a:t>方</a:t>
+                          </a:r>
+                          <a:endParaRPr lang="en-US" altLang="zh-TW" dirty="0" smtClean="0">
+                            <a:latin typeface="微軟正黑體" panose="020B0604030504040204" pitchFamily="34" charset="-120"/>
+                            <a:ea typeface="微軟正黑體" panose="020B0604030504040204" pitchFamily="34" charset="-120"/>
+                          </a:endParaRPr>
+                        </a:p>
+                        <a:p>
+                          <a:pPr algn="ctr"/>
+                          <a:r>
+                            <a:rPr lang="zh-TW" altLang="en-US" dirty="0" smtClean="0">
+                              <a:latin typeface="微軟正黑體" panose="020B0604030504040204" pitchFamily="34" charset="-120"/>
+                              <a:ea typeface="微軟正黑體" panose="020B0604030504040204" pitchFamily="34" charset="-120"/>
+                            </a:rPr>
+                            <a:t>式</a:t>
+                          </a:r>
+                          <a:endParaRPr lang="zh-TW" altLang="en-US" dirty="0">
+                            <a:latin typeface="微軟正黑體" panose="020B0604030504040204" pitchFamily="34" charset="-120"/>
+                            <a:ea typeface="微軟正黑體" panose="020B0604030504040204" pitchFamily="34" charset="-120"/>
+                          </a:endParaRPr>
+                        </a:p>
+                      </p:txBody>
+                    </p:sp>
+                    <p:grpSp>
+                      <p:nvGrpSpPr>
+                        <p:cNvPr id="69" name="群組 68"/>
+                        <p:cNvGrpSpPr/>
+                        <p:nvPr/>
+                      </p:nvGrpSpPr>
+                      <p:grpSpPr>
+                        <a:xfrm>
+                          <a:off x="-914515" y="1319661"/>
+                          <a:ext cx="8587934" cy="3939085"/>
+                          <a:chOff x="-914515" y="1319661"/>
+                          <a:chExt cx="8587934" cy="3939085"/>
+                        </a:xfrm>
+                      </p:grpSpPr>
+                      <p:sp>
+                        <p:nvSpPr>
+                          <p:cNvPr id="5" name="矩形 4"/>
+                          <p:cNvSpPr/>
+                          <p:nvPr/>
+                        </p:nvSpPr>
+                        <p:spPr>
+                          <a:xfrm>
+                            <a:off x="716064" y="1354465"/>
+                            <a:ext cx="1154304" cy="369332"/>
+                          </a:xfrm>
+                          <a:prstGeom prst="rect">
+                            <a:avLst/>
+                          </a:prstGeom>
+                        </p:spPr>
+                        <p:txBody>
+                          <a:bodyPr wrap="square">
+                            <a:spAutoFit/>
+                          </a:bodyPr>
+                          <a:lstStyle/>
+                          <a:p>
+                            <a:pPr algn="ctr"/>
+                            <a:r>
+                              <a:rPr lang="zh-TW" altLang="en-US" dirty="0">
+                                <a:latin typeface="微軟正黑體" panose="020B0604030504040204" pitchFamily="34" charset="-120"/>
+                                <a:ea typeface="微軟正黑體" panose="020B0604030504040204" pitchFamily="34" charset="-120"/>
+                              </a:rPr>
+                              <a:t>球</a:t>
+                            </a:r>
+                            <a:r>
+                              <a:rPr lang="zh-TW" altLang="en-US" dirty="0" smtClean="0">
+                                <a:latin typeface="微軟正黑體" panose="020B0604030504040204" pitchFamily="34" charset="-120"/>
+                                <a:ea typeface="微軟正黑體" panose="020B0604030504040204" pitchFamily="34" charset="-120"/>
+                              </a:rPr>
+                              <a:t>的向量</a:t>
+                            </a:r>
+                            <a:endParaRPr lang="zh-TW" altLang="en-US" dirty="0">
+                              <a:latin typeface="微軟正黑體" panose="020B0604030504040204" pitchFamily="34" charset="-120"/>
+                              <a:ea typeface="微軟正黑體" panose="020B0604030504040204" pitchFamily="34" charset="-120"/>
+                            </a:endParaRPr>
+                          </a:p>
+                        </p:txBody>
+                      </p:sp>
+                      <p:sp>
+                        <p:nvSpPr>
+                          <p:cNvPr id="14" name="矩形 13"/>
+                          <p:cNvSpPr/>
+                          <p:nvPr/>
+                        </p:nvSpPr>
+                        <p:spPr>
+                          <a:xfrm>
+                            <a:off x="508386" y="1639079"/>
+                            <a:ext cx="1569660" cy="369332"/>
+                          </a:xfrm>
+                          <a:prstGeom prst="rect">
+                            <a:avLst/>
+                          </a:prstGeom>
+                        </p:spPr>
+                        <p:txBody>
+                          <a:bodyPr wrap="none">
+                            <a:spAutoFit/>
+                          </a:bodyPr>
+                          <a:lstStyle/>
+                          <a:p>
+                            <a:r>
+                              <a:rPr lang="zh-TW" altLang="en-US" dirty="0">
+                                <a:latin typeface="微軟正黑體" panose="020B0604030504040204" pitchFamily="34" charset="-120"/>
+                                <a:ea typeface="微軟正黑體" panose="020B0604030504040204" pitchFamily="34" charset="-120"/>
+                              </a:rPr>
+                              <a:t>球的當前</a:t>
+                            </a:r>
+                            <a:r>
+                              <a:rPr lang="zh-TW" altLang="en-US" dirty="0" smtClean="0">
+                                <a:latin typeface="微軟正黑體" panose="020B0604030504040204" pitchFamily="34" charset="-120"/>
+                                <a:ea typeface="微軟正黑體" panose="020B0604030504040204" pitchFamily="34" charset="-120"/>
+                              </a:rPr>
+                              <a:t>位置</a:t>
+                            </a:r>
+                            <a:endParaRPr lang="zh-TW" altLang="en-US" dirty="0">
+                              <a:latin typeface="微軟正黑體" panose="020B0604030504040204" pitchFamily="34" charset="-120"/>
+                              <a:ea typeface="微軟正黑體" panose="020B0604030504040204" pitchFamily="34" charset="-120"/>
+                            </a:endParaRPr>
+                          </a:p>
+                        </p:txBody>
+                      </p:sp>
+                      <p:sp>
+                        <p:nvSpPr>
+                          <p:cNvPr id="17" name="矩形 16"/>
+                          <p:cNvSpPr/>
+                          <p:nvPr/>
+                        </p:nvSpPr>
+                        <p:spPr>
+                          <a:xfrm>
+                            <a:off x="4080557" y="1639079"/>
+                            <a:ext cx="1154304" cy="369332"/>
+                          </a:xfrm>
+                          <a:prstGeom prst="rect">
+                            <a:avLst/>
+                          </a:prstGeom>
+                        </p:spPr>
+                        <p:txBody>
+                          <a:bodyPr wrap="square">
+                            <a:spAutoFit/>
+                          </a:bodyPr>
+                          <a:lstStyle/>
+                          <a:p>
+                            <a:pPr algn="ctr"/>
+                            <a:r>
+                              <a:rPr lang="zh-TW" altLang="en-US" dirty="0" smtClean="0">
+                                <a:latin typeface="微軟正黑體" panose="020B0604030504040204" pitchFamily="34" charset="-120"/>
+                                <a:ea typeface="微軟正黑體" panose="020B0604030504040204" pitchFamily="34" charset="-120"/>
+                              </a:rPr>
+                              <a:t>球的落</a:t>
+                            </a:r>
+                            <a:r>
+                              <a:rPr lang="zh-TW" altLang="en-US" dirty="0">
+                                <a:latin typeface="微軟正黑體" panose="020B0604030504040204" pitchFamily="34" charset="-120"/>
+                                <a:ea typeface="微軟正黑體" panose="020B0604030504040204" pitchFamily="34" charset="-120"/>
+                              </a:rPr>
+                              <a:t>點</a:t>
+                            </a:r>
+                          </a:p>
+                        </p:txBody>
+                      </p:sp>
+                      <p:grpSp>
+                        <p:nvGrpSpPr>
+                          <p:cNvPr id="6" name="群組 5"/>
+                          <p:cNvGrpSpPr/>
+                          <p:nvPr/>
+                        </p:nvGrpSpPr>
+                        <p:grpSpPr>
+                          <a:xfrm>
+                            <a:off x="-914515" y="1319661"/>
+                            <a:ext cx="8031297" cy="3939085"/>
+                            <a:chOff x="-914515" y="1319661"/>
+                            <a:chExt cx="8031297" cy="3939085"/>
+                          </a:xfrm>
+                        </p:grpSpPr>
+                        <p:sp>
+                          <p:nvSpPr>
+                            <p:cNvPr id="4" name="矩形 3"/>
+                            <p:cNvSpPr/>
+                            <p:nvPr/>
+                          </p:nvSpPr>
+                          <p:spPr>
+                            <a:xfrm>
+                              <a:off x="2198636" y="1319661"/>
+                              <a:ext cx="1302312" cy="1366978"/>
+                            </a:xfrm>
+                            <a:prstGeom prst="rect">
+                              <a:avLst/>
+                            </a:prstGeom>
+                            <a:ln>
+                              <a:noFill/>
+                            </a:ln>
+                          </p:spPr>
+                          <p:style>
+                            <a:lnRef idx="2">
+                              <a:schemeClr val="accent1">
+                                <a:shade val="50000"/>
+                              </a:schemeClr>
+                            </a:lnRef>
+                            <a:fillRef idx="1">
+                              <a:schemeClr val="accent1"/>
+                            </a:fillRef>
+                            <a:effectRef idx="0">
+                              <a:schemeClr val="accent1"/>
+                            </a:effectRef>
+                            <a:fontRef idx="minor">
+                              <a:schemeClr val="lt1"/>
+                            </a:fontRef>
+                          </p:style>
+                          <p:txBody>
+                            <a:bodyPr rtlCol="0" anchor="ctr"/>
+                            <a:lstStyle/>
+                            <a:p>
+                              <a:pPr algn="ctr"/>
+                              <a:r>
+                                <a:rPr lang="zh-TW" altLang="en-US" dirty="0" smtClean="0">
+                                  <a:latin typeface="微軟正黑體" panose="020B0604030504040204" pitchFamily="34" charset="-120"/>
+                                  <a:ea typeface="微軟正黑體" panose="020B0604030504040204" pitchFamily="34" charset="-120"/>
+                                </a:rPr>
+                                <a:t>落點</a:t>
+                              </a:r>
+                              <a:r>
+                                <a:rPr lang="zh-TW" altLang="en-US" dirty="0">
+                                  <a:latin typeface="微軟正黑體" panose="020B0604030504040204" pitchFamily="34" charset="-120"/>
+                                  <a:ea typeface="微軟正黑體" panose="020B0604030504040204" pitchFamily="34" charset="-120"/>
+                                </a:rPr>
+                                <a:t>判斷</a:t>
+                              </a:r>
+                              <a:r>
+                                <a:rPr lang="zh-TW" altLang="en-US" dirty="0" smtClean="0">
+                                  <a:latin typeface="微軟正黑體" panose="020B0604030504040204" pitchFamily="34" charset="-120"/>
+                                  <a:ea typeface="微軟正黑體" panose="020B0604030504040204" pitchFamily="34" charset="-120"/>
+                                </a:rPr>
+                                <a:t>模組</a:t>
+                              </a:r>
+                              <a:endParaRPr lang="zh-TW" altLang="en-US" dirty="0">
+                                <a:latin typeface="微軟正黑體" panose="020B0604030504040204" pitchFamily="34" charset="-120"/>
+                                <a:ea typeface="微軟正黑體" panose="020B0604030504040204" pitchFamily="34" charset="-120"/>
+                              </a:endParaRPr>
+                            </a:p>
+                          </p:txBody>
+                        </p:sp>
+                        <p:sp>
+                          <p:nvSpPr>
+                            <p:cNvPr id="16" name="矩形 15"/>
+                            <p:cNvSpPr/>
+                            <p:nvPr/>
+                          </p:nvSpPr>
+                          <p:spPr>
+                            <a:xfrm>
+                              <a:off x="5814470" y="1319661"/>
+                              <a:ext cx="1302312" cy="1366978"/>
+                            </a:xfrm>
+                            <a:prstGeom prst="rect">
+                              <a:avLst/>
+                            </a:prstGeom>
+                            <a:ln>
+                              <a:noFill/>
+                            </a:ln>
+                          </p:spPr>
+                          <p:style>
+                            <a:lnRef idx="2">
+                              <a:schemeClr val="accent1">
+                                <a:shade val="50000"/>
+                              </a:schemeClr>
+                            </a:lnRef>
+                            <a:fillRef idx="1">
+                              <a:schemeClr val="accent1"/>
+                            </a:fillRef>
+                            <a:effectRef idx="0">
+                              <a:schemeClr val="accent1"/>
+                            </a:effectRef>
+                            <a:fontRef idx="minor">
+                              <a:schemeClr val="lt1"/>
+                            </a:fontRef>
+                          </p:style>
+                          <p:txBody>
+                            <a:bodyPr rtlCol="0" anchor="ctr"/>
+                            <a:lstStyle/>
+                            <a:p>
+                              <a:pPr algn="ctr"/>
+                              <a:r>
+                                <a:rPr lang="en-US" altLang="zh-TW" dirty="0" smtClean="0">
+                                  <a:latin typeface="微軟正黑體" panose="020B0604030504040204" pitchFamily="34" charset="-120"/>
+                                  <a:ea typeface="微軟正黑體" panose="020B0604030504040204" pitchFamily="34" charset="-120"/>
+                                </a:rPr>
+                                <a:t>AAM</a:t>
+                              </a:r>
+                              <a:r>
+                                <a:rPr lang="zh-TW" altLang="en-US" dirty="0" smtClean="0">
+                                  <a:latin typeface="微軟正黑體" panose="020B0604030504040204" pitchFamily="34" charset="-120"/>
+                                  <a:ea typeface="微軟正黑體" panose="020B0604030504040204" pitchFamily="34" charset="-120"/>
+                                </a:rPr>
+                                <a:t>模組</a:t>
+                              </a:r>
+                              <a:endParaRPr lang="zh-TW" altLang="en-US" dirty="0">
+                                <a:latin typeface="微軟正黑體" panose="020B0604030504040204" pitchFamily="34" charset="-120"/>
+                                <a:ea typeface="微軟正黑體" panose="020B0604030504040204" pitchFamily="34" charset="-120"/>
+                              </a:endParaRPr>
+                            </a:p>
+                          </p:txBody>
+                        </p:sp>
+                        <p:sp>
+                          <p:nvSpPr>
+                            <p:cNvPr id="19" name="矩形 18"/>
+                            <p:cNvSpPr/>
+                            <p:nvPr/>
+                          </p:nvSpPr>
+                          <p:spPr>
+                            <a:xfrm>
+                              <a:off x="5814470" y="3891768"/>
+                              <a:ext cx="1302312" cy="565608"/>
+                            </a:xfrm>
+                            <a:prstGeom prst="rect">
+                              <a:avLst/>
+                            </a:prstGeom>
+                            <a:ln>
+                              <a:noFill/>
+                            </a:ln>
+                          </p:spPr>
+                          <p:style>
+                            <a:lnRef idx="2">
+                              <a:schemeClr val="accent1">
+                                <a:shade val="50000"/>
+                              </a:schemeClr>
+                            </a:lnRef>
+                            <a:fillRef idx="1">
+                              <a:schemeClr val="accent1"/>
+                            </a:fillRef>
+                            <a:effectRef idx="0">
+                              <a:schemeClr val="accent1"/>
+                            </a:effectRef>
+                            <a:fontRef idx="minor">
+                              <a:schemeClr val="lt1"/>
+                            </a:fontRef>
+                          </p:style>
+                          <p:txBody>
+                            <a:bodyPr rtlCol="0" anchor="ctr"/>
+                            <a:lstStyle/>
+                            <a:p>
+                              <a:pPr algn="ctr"/>
+                              <a:r>
+                                <a:rPr lang="zh-TW" altLang="en-US" dirty="0" smtClean="0">
+                                  <a:latin typeface="微軟正黑體" panose="020B0604030504040204" pitchFamily="34" charset="-120"/>
+                                  <a:ea typeface="微軟正黑體" panose="020B0604030504040204" pitchFamily="34" charset="-120"/>
+                                </a:rPr>
+                                <a:t>防守</a:t>
+                              </a:r>
+                              <a:r>
+                                <a:rPr lang="zh-TW" altLang="en-US" dirty="0">
+                                  <a:latin typeface="微軟正黑體" panose="020B0604030504040204" pitchFamily="34" charset="-120"/>
+                                  <a:ea typeface="微軟正黑體" panose="020B0604030504040204" pitchFamily="34" charset="-120"/>
+                                </a:rPr>
+                                <a:t>型進攻</a:t>
+                              </a:r>
+                            </a:p>
+                          </p:txBody>
+                        </p:sp>
+                        <p:sp>
+                          <p:nvSpPr>
+                            <p:cNvPr id="20" name="矩形 19"/>
+                            <p:cNvSpPr/>
+                            <p:nvPr/>
+                          </p:nvSpPr>
+                          <p:spPr>
+                            <a:xfrm>
+                              <a:off x="5814470" y="4693138"/>
+                              <a:ext cx="1302312" cy="565608"/>
+                            </a:xfrm>
+                            <a:prstGeom prst="rect">
+                              <a:avLst/>
+                            </a:prstGeom>
+                            <a:ln>
+                              <a:noFill/>
+                            </a:ln>
+                          </p:spPr>
+                          <p:style>
+                            <a:lnRef idx="2">
+                              <a:schemeClr val="accent1">
+                                <a:shade val="50000"/>
+                              </a:schemeClr>
+                            </a:lnRef>
+                            <a:fillRef idx="1">
+                              <a:schemeClr val="accent1"/>
+                            </a:fillRef>
+                            <a:effectRef idx="0">
+                              <a:schemeClr val="accent1"/>
+                            </a:effectRef>
+                            <a:fontRef idx="minor">
+                              <a:schemeClr val="lt1"/>
+                            </a:fontRef>
+                          </p:style>
+                          <p:txBody>
+                            <a:bodyPr rtlCol="0" anchor="ctr"/>
+                            <a:lstStyle/>
+                            <a:p>
+                              <a:pPr algn="ctr"/>
+                              <a:r>
+                                <a:rPr lang="zh-TW" altLang="en-US" dirty="0" smtClean="0">
+                                  <a:latin typeface="微軟正黑體" panose="020B0604030504040204" pitchFamily="34" charset="-120"/>
+                                  <a:ea typeface="微軟正黑體" panose="020B0604030504040204" pitchFamily="34" charset="-120"/>
+                                </a:rPr>
+                                <a:t>進</a:t>
+                              </a:r>
+                              <a:r>
+                                <a:rPr lang="zh-TW" altLang="en-US" dirty="0">
+                                  <a:latin typeface="微軟正黑體" panose="020B0604030504040204" pitchFamily="34" charset="-120"/>
+                                  <a:ea typeface="微軟正黑體" panose="020B0604030504040204" pitchFamily="34" charset="-120"/>
+                                </a:rPr>
+                                <a:t>攻</a:t>
+                              </a:r>
+                              <a:r>
+                                <a:rPr lang="zh-TW" altLang="en-US" dirty="0" smtClean="0">
+                                  <a:latin typeface="微軟正黑體" panose="020B0604030504040204" pitchFamily="34" charset="-120"/>
+                                  <a:ea typeface="微軟正黑體" panose="020B0604030504040204" pitchFamily="34" charset="-120"/>
+                                </a:rPr>
+                                <a:t>型</a:t>
+                              </a:r>
+                              <a:r>
+                                <a:rPr lang="zh-TW" altLang="en-US" dirty="0">
+                                  <a:latin typeface="微軟正黑體" panose="020B0604030504040204" pitchFamily="34" charset="-120"/>
+                                  <a:ea typeface="微軟正黑體" panose="020B0604030504040204" pitchFamily="34" charset="-120"/>
+                                </a:rPr>
+                                <a:t>進攻</a:t>
+                              </a:r>
+                            </a:p>
+                          </p:txBody>
+                        </p:sp>
+                        <p:sp>
+                          <p:nvSpPr>
+                            <p:cNvPr id="22" name="矩形 21"/>
+                            <p:cNvSpPr/>
+                            <p:nvPr/>
+                          </p:nvSpPr>
+                          <p:spPr>
+                            <a:xfrm>
+                              <a:off x="-914515" y="3891768"/>
+                              <a:ext cx="1302312" cy="1366978"/>
+                            </a:xfrm>
+                            <a:prstGeom prst="rect">
+                              <a:avLst/>
+                            </a:prstGeom>
+                            <a:ln>
+                              <a:noFill/>
+                            </a:ln>
+                          </p:spPr>
+                          <p:style>
+                            <a:lnRef idx="2">
+                              <a:schemeClr val="accent1">
+                                <a:shade val="50000"/>
+                              </a:schemeClr>
+                            </a:lnRef>
+                            <a:fillRef idx="1">
+                              <a:schemeClr val="accent1"/>
+                            </a:fillRef>
+                            <a:effectRef idx="0">
+                              <a:schemeClr val="accent1"/>
+                            </a:effectRef>
+                            <a:fontRef idx="minor">
+                              <a:schemeClr val="lt1"/>
+                            </a:fontRef>
+                          </p:style>
+                          <p:txBody>
+                            <a:bodyPr rtlCol="0" anchor="ctr"/>
+                            <a:lstStyle/>
+                            <a:p>
+                              <a:pPr algn="ctr"/>
+                              <a:r>
+                                <a:rPr lang="zh-TW" altLang="en-US" dirty="0" smtClean="0">
+                                  <a:latin typeface="微軟正黑體" panose="020B0604030504040204" pitchFamily="34" charset="-120"/>
+                                  <a:ea typeface="微軟正黑體" panose="020B0604030504040204" pitchFamily="34" charset="-120"/>
+                                </a:rPr>
+                                <a:t>落點預測模組</a:t>
+                              </a:r>
+                              <a:endParaRPr lang="zh-TW" altLang="en-US" dirty="0">
+                                <a:latin typeface="微軟正黑體" panose="020B0604030504040204" pitchFamily="34" charset="-120"/>
+                                <a:ea typeface="微軟正黑體" panose="020B0604030504040204" pitchFamily="34" charset="-120"/>
+                              </a:endParaRPr>
+                            </a:p>
+                          </p:txBody>
+                        </p:sp>
+                      </p:grpSp>
+                      <p:cxnSp>
+                        <p:nvCxnSpPr>
+                          <p:cNvPr id="8" name="直線單箭頭接點 7"/>
+                          <p:cNvCxnSpPr>
+                            <a:endCxn id="4" idx="1"/>
+                          </p:cNvCxnSpPr>
+                          <p:nvPr/>
+                        </p:nvCxnSpPr>
+                        <p:spPr>
+                          <a:xfrm>
+                            <a:off x="377072" y="2003150"/>
+                            <a:ext cx="1821564" cy="0"/>
+                          </a:xfrm>
+                          <a:prstGeom prst="straightConnector1">
+                            <a:avLst/>
+                          </a:prstGeom>
+                          <a:ln>
+                            <a:tailEnd type="triangle"/>
+                          </a:ln>
+                        </p:spPr>
+                        <p:style>
+                          <a:lnRef idx="1">
+                            <a:schemeClr val="accent1"/>
+                          </a:lnRef>
+                          <a:fillRef idx="0">
+                            <a:schemeClr val="accent1"/>
+                          </a:fillRef>
+                          <a:effectRef idx="0">
+                            <a:schemeClr val="accent1"/>
+                          </a:effectRef>
+                          <a:fontRef idx="minor">
+                            <a:schemeClr val="tx1"/>
+                          </a:fontRef>
+                        </p:style>
+                      </p:cxnSp>
+                      <p:cxnSp>
+                        <p:nvCxnSpPr>
+                          <p:cNvPr id="31" name="直線單箭頭接點 30"/>
+                          <p:cNvCxnSpPr>
+                            <a:stCxn id="4" idx="3"/>
+                            <a:endCxn id="16" idx="1"/>
+                          </p:cNvCxnSpPr>
+                          <p:nvPr/>
+                        </p:nvCxnSpPr>
+                        <p:spPr>
+                          <a:xfrm>
+                            <a:off x="3500948" y="2003150"/>
+                            <a:ext cx="2313522" cy="0"/>
+                          </a:xfrm>
+                          <a:prstGeom prst="straightConnector1">
+                            <a:avLst/>
+                          </a:prstGeom>
+                          <a:ln>
+                            <a:tailEnd type="triangle"/>
+                          </a:ln>
+                        </p:spPr>
+                        <p:style>
+                          <a:lnRef idx="1">
+                            <a:schemeClr val="accent1"/>
+                          </a:lnRef>
+                          <a:fillRef idx="0">
+                            <a:schemeClr val="accent1"/>
+                          </a:fillRef>
+                          <a:effectRef idx="0">
+                            <a:schemeClr val="accent1"/>
+                          </a:effectRef>
+                          <a:fontRef idx="minor">
+                            <a:schemeClr val="tx1"/>
+                          </a:fontRef>
+                        </p:style>
+                      </p:cxnSp>
+                      <p:grpSp>
+                        <p:nvGrpSpPr>
+                          <p:cNvPr id="68" name="群組 67"/>
+                          <p:cNvGrpSpPr/>
+                          <p:nvPr/>
+                        </p:nvGrpSpPr>
+                        <p:grpSpPr>
+                          <a:xfrm>
+                            <a:off x="7116782" y="2003150"/>
+                            <a:ext cx="556637" cy="2972792"/>
+                            <a:chOff x="7116782" y="2003150"/>
+                            <a:chExt cx="556637" cy="2972792"/>
+                          </a:xfrm>
+                        </p:grpSpPr>
+                        <p:cxnSp>
+                          <p:nvCxnSpPr>
+                            <p:cNvPr id="52" name="直線單箭頭接點 51"/>
+                            <p:cNvCxnSpPr>
+                              <a:endCxn id="19" idx="3"/>
+                            </p:cNvCxnSpPr>
+                            <p:nvPr/>
+                          </p:nvCxnSpPr>
+                          <p:spPr>
+                            <a:xfrm flipH="1">
+                              <a:off x="7116782" y="4174572"/>
+                              <a:ext cx="556637" cy="0"/>
+                            </a:xfrm>
+                            <a:prstGeom prst="straightConnector1">
+                              <a:avLst/>
+                            </a:prstGeom>
+                            <a:ln>
+                              <a:tailEnd type="triangle"/>
+                            </a:ln>
+                          </p:spPr>
+                          <p:style>
+                            <a:lnRef idx="1">
+                              <a:schemeClr val="accent1"/>
+                            </a:lnRef>
+                            <a:fillRef idx="0">
+                              <a:schemeClr val="accent1"/>
+                            </a:fillRef>
+                            <a:effectRef idx="0">
+                              <a:schemeClr val="accent1"/>
+                            </a:effectRef>
+                            <a:fontRef idx="minor">
+                              <a:schemeClr val="tx1"/>
+                            </a:fontRef>
+                          </p:style>
+                        </p:cxnSp>
+                        <p:cxnSp>
+                          <p:nvCxnSpPr>
+                            <p:cNvPr id="56" name="直線單箭頭接點 55"/>
+                            <p:cNvCxnSpPr>
+                              <a:endCxn id="20" idx="3"/>
+                            </p:cNvCxnSpPr>
+                            <p:nvPr/>
+                          </p:nvCxnSpPr>
+                          <p:spPr>
+                            <a:xfrm flipH="1">
+                              <a:off x="7116782" y="4975942"/>
+                              <a:ext cx="556637" cy="0"/>
+                            </a:xfrm>
+                            <a:prstGeom prst="straightConnector1">
+                              <a:avLst/>
+                            </a:prstGeom>
+                            <a:ln>
+                              <a:tailEnd type="triangle"/>
+                            </a:ln>
+                          </p:spPr>
+                          <p:style>
+                            <a:lnRef idx="1">
+                              <a:schemeClr val="accent1"/>
+                            </a:lnRef>
+                            <a:fillRef idx="0">
+                              <a:schemeClr val="accent1"/>
+                            </a:fillRef>
+                            <a:effectRef idx="0">
+                              <a:schemeClr val="accent1"/>
+                            </a:effectRef>
+                            <a:fontRef idx="minor">
+                              <a:schemeClr val="tx1"/>
+                            </a:fontRef>
+                          </p:style>
+                        </p:cxnSp>
+                        <p:cxnSp>
+                          <p:nvCxnSpPr>
+                            <p:cNvPr id="63" name="肘形接點 62"/>
+                            <p:cNvCxnSpPr>
+                              <a:stCxn id="16" idx="3"/>
+                            </p:cNvCxnSpPr>
+                            <p:nvPr/>
+                          </p:nvCxnSpPr>
+                          <p:spPr>
+                            <a:xfrm>
+                              <a:off x="7116782" y="2003150"/>
+                              <a:ext cx="556637" cy="2972792"/>
+                            </a:xfrm>
+                            <a:prstGeom prst="bentConnector2">
+                              <a:avLst/>
+                            </a:prstGeom>
+                          </p:spPr>
+                          <p:style>
+                            <a:lnRef idx="1">
+                              <a:schemeClr val="accent1"/>
+                            </a:lnRef>
+                            <a:fillRef idx="0">
+                              <a:schemeClr val="accent1"/>
+                            </a:fillRef>
+                            <a:effectRef idx="0">
+                              <a:schemeClr val="accent1"/>
+                            </a:effectRef>
+                            <a:fontRef idx="minor">
+                              <a:schemeClr val="tx1"/>
+                            </a:fontRef>
+                          </p:style>
+                        </p:cxnSp>
+                      </p:grpSp>
+                    </p:grpSp>
+                  </p:grpSp>
+                  <p:grpSp>
+                    <p:nvGrpSpPr>
+                      <p:cNvPr id="82" name="群組 81"/>
+                      <p:cNvGrpSpPr/>
+                      <p:nvPr/>
+                    </p:nvGrpSpPr>
+                    <p:grpSpPr>
+                      <a:xfrm>
+                        <a:off x="1669842" y="4259412"/>
+                        <a:ext cx="5426674" cy="801372"/>
+                        <a:chOff x="1669842" y="4259412"/>
+                        <a:chExt cx="5426674" cy="801372"/>
+                      </a:xfrm>
+                    </p:grpSpPr>
+                    <p:cxnSp>
+                      <p:nvCxnSpPr>
+                        <p:cNvPr id="71" name="直線單箭頭接點 70"/>
+                        <p:cNvCxnSpPr>
+                          <a:endCxn id="22" idx="3"/>
+                        </p:cNvCxnSpPr>
+                        <p:nvPr/>
+                      </p:nvCxnSpPr>
+                      <p:spPr>
+                        <a:xfrm flipH="1">
+                          <a:off x="1669842" y="4660098"/>
+                          <a:ext cx="1928892" cy="0"/>
+                        </a:xfrm>
+                        <a:prstGeom prst="straightConnector1">
+                          <a:avLst/>
+                        </a:prstGeom>
+                        <a:ln>
+                          <a:tailEnd type="triangle"/>
+                        </a:ln>
+                      </p:spPr>
+                      <p:style>
+                        <a:lnRef idx="1">
+                          <a:schemeClr val="accent1"/>
+                        </a:lnRef>
+                        <a:fillRef idx="0">
+                          <a:schemeClr val="accent1"/>
+                        </a:fillRef>
+                        <a:effectRef idx="0">
+                          <a:schemeClr val="accent1"/>
+                        </a:effectRef>
+                        <a:fontRef idx="minor">
+                          <a:schemeClr val="tx1"/>
+                        </a:fontRef>
+                      </p:style>
+                    </p:cxnSp>
+                    <p:cxnSp>
+                      <p:nvCxnSpPr>
+                        <p:cNvPr id="77" name="肘形接點 76"/>
+                        <p:cNvCxnSpPr>
+                          <a:stCxn id="19" idx="1"/>
+                        </p:cNvCxnSpPr>
+                        <p:nvPr/>
+                      </p:nvCxnSpPr>
+                      <p:spPr>
+                        <a:xfrm rot="10800000" flipV="1">
+                          <a:off x="6711885" y="4259412"/>
+                          <a:ext cx="384630" cy="400685"/>
+                        </a:xfrm>
+                        <a:prstGeom prst="bentConnector2">
+                          <a:avLst/>
+                        </a:prstGeom>
+                      </p:spPr>
+                      <p:style>
+                        <a:lnRef idx="1">
+                          <a:schemeClr val="accent1"/>
+                        </a:lnRef>
+                        <a:fillRef idx="0">
+                          <a:schemeClr val="accent1"/>
+                        </a:fillRef>
+                        <a:effectRef idx="0">
+                          <a:schemeClr val="accent1"/>
+                        </a:effectRef>
+                        <a:fontRef idx="minor">
+                          <a:schemeClr val="tx1"/>
+                        </a:fontRef>
+                      </p:style>
+                    </p:cxnSp>
+                    <p:cxnSp>
+                      <p:nvCxnSpPr>
+                        <p:cNvPr id="78" name="肘形接點 77"/>
+                        <p:cNvCxnSpPr>
+                          <a:stCxn id="20" idx="1"/>
+                        </p:cNvCxnSpPr>
+                        <p:nvPr/>
+                      </p:nvCxnSpPr>
+                      <p:spPr>
+                        <a:xfrm rot="10800000">
+                          <a:off x="6711885" y="4660099"/>
+                          <a:ext cx="384631" cy="400685"/>
+                        </a:xfrm>
+                        <a:prstGeom prst="bentConnector2">
+                          <a:avLst/>
+                        </a:prstGeom>
+                      </p:spPr>
+                      <p:style>
+                        <a:lnRef idx="1">
+                          <a:schemeClr val="accent1"/>
+                        </a:lnRef>
+                        <a:fillRef idx="0">
+                          <a:schemeClr val="accent1"/>
+                        </a:fillRef>
+                        <a:effectRef idx="0">
+                          <a:schemeClr val="accent1"/>
+                        </a:effectRef>
+                        <a:fontRef idx="minor">
+                          <a:schemeClr val="tx1"/>
+                        </a:fontRef>
+                      </p:style>
+                    </p:cxnSp>
+                  </p:grpSp>
+                </p:grpSp>
+              </p:grpSp>
+              <p:sp>
+                <p:nvSpPr>
+                  <p:cNvPr id="84" name="矩形 83"/>
+                  <p:cNvSpPr/>
+                  <p:nvPr/>
+                </p:nvSpPr>
+                <p:spPr>
+                  <a:xfrm>
+                    <a:off x="1758462" y="1408369"/>
+                    <a:ext cx="1302312" cy="1366978"/>
+                  </a:xfrm>
+                  <a:prstGeom prst="rect">
+                    <a:avLst/>
+                  </a:prstGeom>
+                  <a:ln>
+                    <a:noFill/>
+                  </a:ln>
+                </p:spPr>
+                <p:style>
+                  <a:lnRef idx="2">
+                    <a:schemeClr val="accent1">
+                      <a:shade val="50000"/>
+                    </a:schemeClr>
+                  </a:lnRef>
+                  <a:fillRef idx="1">
+                    <a:schemeClr val="accent1"/>
+                  </a:fillRef>
+                  <a:effectRef idx="0">
+                    <a:schemeClr val="accent1"/>
+                  </a:effectRef>
+                  <a:fontRef idx="minor">
+                    <a:schemeClr val="lt1"/>
+                  </a:fontRef>
+                </p:style>
+                <p:txBody>
+                  <a:bodyPr rtlCol="0" anchor="ctr"/>
+                  <a:lstStyle/>
+                  <a:p>
+                    <a:pPr algn="ctr"/>
+                    <a:r>
+                      <a:rPr lang="zh-TW" altLang="en-US" dirty="0" smtClean="0">
+                        <a:latin typeface="微軟正黑體" panose="020B0604030504040204" pitchFamily="34" charset="-120"/>
+                        <a:ea typeface="微軟正黑體" panose="020B0604030504040204" pitchFamily="34" charset="-120"/>
+                      </a:rPr>
+                      <a:t>對方</a:t>
+                    </a:r>
+                    <a:endParaRPr lang="en-US" altLang="zh-TW" dirty="0" smtClean="0">
+                      <a:latin typeface="微軟正黑體" panose="020B0604030504040204" pitchFamily="34" charset="-120"/>
+                      <a:ea typeface="微軟正黑體" panose="020B0604030504040204" pitchFamily="34" charset="-120"/>
+                    </a:endParaRPr>
+                  </a:p>
+                  <a:p>
+                    <a:pPr algn="ctr"/>
+                    <a:r>
+                      <a:rPr lang="zh-TW" altLang="en-US" dirty="0" smtClean="0">
+                        <a:latin typeface="微軟正黑體" panose="020B0604030504040204" pitchFamily="34" charset="-120"/>
+                        <a:ea typeface="微軟正黑體" panose="020B0604030504040204" pitchFamily="34" charset="-120"/>
+                      </a:rPr>
+                      <a:t>擊球</a:t>
+                    </a:r>
+                    <a:r>
+                      <a:rPr lang="en-US" altLang="zh-TW" dirty="0" smtClean="0">
+                        <a:latin typeface="微軟正黑體" panose="020B0604030504040204" pitchFamily="34" charset="-120"/>
+                        <a:ea typeface="微軟正黑體" panose="020B0604030504040204" pitchFamily="34" charset="-120"/>
+                      </a:rPr>
+                      <a:t>/</a:t>
+                    </a:r>
+                    <a:r>
+                      <a:rPr lang="zh-TW" altLang="en-US" dirty="0" smtClean="0">
+                        <a:latin typeface="微軟正黑體" panose="020B0604030504040204" pitchFamily="34" charset="-120"/>
+                        <a:ea typeface="微軟正黑體" panose="020B0604030504040204" pitchFamily="34" charset="-120"/>
+                      </a:rPr>
+                      <a:t>發球</a:t>
+                    </a:r>
+                    <a:endParaRPr lang="zh-TW" altLang="en-US" dirty="0">
+                      <a:latin typeface="微軟正黑體" panose="020B0604030504040204" pitchFamily="34" charset="-120"/>
+                      <a:ea typeface="微軟正黑體" panose="020B0604030504040204" pitchFamily="34" charset="-120"/>
+                    </a:endParaRPr>
+                  </a:p>
+                </p:txBody>
+              </p:sp>
+            </p:grpSp>
+            <p:sp>
+              <p:nvSpPr>
+                <p:cNvPr id="87" name="矩形 86"/>
+                <p:cNvSpPr/>
+                <p:nvPr/>
+              </p:nvSpPr>
+              <p:spPr>
+                <a:xfrm>
+                  <a:off x="4871612" y="3980476"/>
+                  <a:ext cx="1302312" cy="1366978"/>
+                </a:xfrm>
+                <a:prstGeom prst="rect">
+                  <a:avLst/>
+                </a:prstGeom>
+                <a:ln>
+                  <a:noFill/>
+                </a:ln>
+              </p:spPr>
+              <p:style>
+                <a:lnRef idx="2">
+                  <a:schemeClr val="accent1">
+                    <a:shade val="50000"/>
+                  </a:schemeClr>
+                </a:lnRef>
+                <a:fillRef idx="1">
+                  <a:schemeClr val="accent1"/>
+                </a:fillRef>
+                <a:effectRef idx="0">
+                  <a:schemeClr val="accent1"/>
+                </a:effectRef>
+                <a:fontRef idx="minor">
+                  <a:schemeClr val="lt1"/>
+                </a:fontRef>
+              </p:style>
+              <p:txBody>
+                <a:bodyPr rtlCol="0" anchor="ctr"/>
+                <a:lstStyle/>
+                <a:p>
+                  <a:pPr algn="ctr"/>
+                  <a:r>
+                    <a:rPr lang="zh-TW" altLang="en-US" dirty="0">
+                      <a:latin typeface="微軟正黑體" panose="020B0604030504040204" pitchFamily="34" charset="-120"/>
+                      <a:ea typeface="微軟正黑體" panose="020B0604030504040204" pitchFamily="34" charset="-120"/>
+                    </a:rPr>
+                    <a:t>我</a:t>
+                  </a:r>
+                  <a:r>
+                    <a:rPr lang="zh-TW" altLang="en-US" dirty="0" smtClean="0">
+                      <a:latin typeface="微軟正黑體" panose="020B0604030504040204" pitchFamily="34" charset="-120"/>
+                      <a:ea typeface="微軟正黑體" panose="020B0604030504040204" pitchFamily="34" charset="-120"/>
+                    </a:rPr>
+                    <a:t>方</a:t>
+                  </a:r>
+                  <a:endParaRPr lang="en-US" altLang="zh-TW" dirty="0" smtClean="0">
+                    <a:latin typeface="微軟正黑體" panose="020B0604030504040204" pitchFamily="34" charset="-120"/>
+                    <a:ea typeface="微軟正黑體" panose="020B0604030504040204" pitchFamily="34" charset="-120"/>
+                  </a:endParaRPr>
+                </a:p>
+                <a:p>
+                  <a:pPr algn="ctr"/>
+                  <a:r>
+                    <a:rPr lang="zh-TW" altLang="en-US" dirty="0" smtClean="0">
+                      <a:latin typeface="微軟正黑體" panose="020B0604030504040204" pitchFamily="34" charset="-120"/>
+                      <a:ea typeface="微軟正黑體" panose="020B0604030504040204" pitchFamily="34" charset="-120"/>
+                    </a:rPr>
+                    <a:t>擊球</a:t>
+                  </a:r>
+                  <a:r>
+                    <a:rPr lang="en-US" altLang="zh-TW" dirty="0" smtClean="0">
+                      <a:latin typeface="微軟正黑體" panose="020B0604030504040204" pitchFamily="34" charset="-120"/>
+                      <a:ea typeface="微軟正黑體" panose="020B0604030504040204" pitchFamily="34" charset="-120"/>
+                    </a:rPr>
+                    <a:t>/</a:t>
+                  </a:r>
+                  <a:r>
+                    <a:rPr lang="zh-TW" altLang="en-US" dirty="0" smtClean="0">
+                      <a:latin typeface="微軟正黑體" panose="020B0604030504040204" pitchFamily="34" charset="-120"/>
+                      <a:ea typeface="微軟正黑體" panose="020B0604030504040204" pitchFamily="34" charset="-120"/>
+                    </a:rPr>
+                    <a:t>發球</a:t>
+                  </a:r>
+                  <a:endParaRPr lang="zh-TW" altLang="en-US" dirty="0">
+                    <a:latin typeface="微軟正黑體" panose="020B0604030504040204" pitchFamily="34" charset="-120"/>
+                    <a:ea typeface="微軟正黑體" panose="020B0604030504040204" pitchFamily="34" charset="-120"/>
+                  </a:endParaRPr>
+                </a:p>
+              </p:txBody>
+            </p:sp>
+            <p:cxnSp>
+              <p:nvCxnSpPr>
+                <p:cNvPr id="88" name="直線單箭頭接點 87"/>
+                <p:cNvCxnSpPr/>
+                <p:nvPr/>
+              </p:nvCxnSpPr>
+              <p:spPr>
+                <a:xfrm flipH="1">
+                  <a:off x="6173924" y="4663965"/>
+                  <a:ext cx="1928892" cy="0"/>
+                </a:xfrm>
+                <a:prstGeom prst="straightConnector1">
+                  <a:avLst/>
+                </a:prstGeom>
+                <a:ln>
+                  <a:tailEnd type="triangle"/>
+                </a:ln>
+              </p:spPr>
+              <p:style>
+                <a:lnRef idx="1">
+                  <a:schemeClr val="accent1"/>
+                </a:lnRef>
+                <a:fillRef idx="0">
+                  <a:schemeClr val="accent1"/>
+                </a:fillRef>
+                <a:effectRef idx="0">
+                  <a:schemeClr val="accent1"/>
+                </a:effectRef>
+                <a:fontRef idx="minor">
+                  <a:schemeClr val="tx1"/>
+                </a:fontRef>
+              </p:style>
+            </p:cxnSp>
+          </p:grpSp>
+          <p:sp>
+            <p:nvSpPr>
+              <p:cNvPr id="93" name="矩形 92"/>
+              <p:cNvSpPr/>
+              <p:nvPr/>
+            </p:nvSpPr>
+            <p:spPr>
+              <a:xfrm>
+                <a:off x="2841061" y="4146726"/>
+                <a:ext cx="1894081" cy="646331"/>
+              </a:xfrm>
+              <a:prstGeom prst="rect">
+                <a:avLst/>
+              </a:prstGeom>
+            </p:spPr>
+            <p:txBody>
+              <a:bodyPr wrap="square">
+                <a:spAutoFit/>
+              </a:bodyPr>
+              <a:lstStyle/>
+              <a:p>
+                <a:pPr algn="ctr"/>
+                <a:r>
+                  <a:rPr lang="zh-TW" altLang="en-US" dirty="0" smtClean="0">
+                    <a:latin typeface="微軟正黑體" panose="020B0604030504040204" pitchFamily="34" charset="-120"/>
+                    <a:ea typeface="微軟正黑體" panose="020B0604030504040204" pitchFamily="34" charset="-120"/>
+                  </a:rPr>
+                  <a:t>我方擊球到對方的落點、向量</a:t>
+                </a:r>
+                <a:endParaRPr lang="zh-TW" altLang="en-US" dirty="0">
+                  <a:latin typeface="微軟正黑體" panose="020B0604030504040204" pitchFamily="34" charset="-120"/>
+                  <a:ea typeface="微軟正黑體" panose="020B0604030504040204" pitchFamily="34" charset="-120"/>
+                </a:endParaRPr>
+              </a:p>
+            </p:txBody>
+          </p:sp>
+        </p:grpSp>
+        <p:sp>
+          <p:nvSpPr>
+            <p:cNvPr id="96" name="矩形 95"/>
+            <p:cNvSpPr/>
+            <p:nvPr/>
+          </p:nvSpPr>
+          <p:spPr>
+            <a:xfrm>
+              <a:off x="2171177" y="3176550"/>
+              <a:ext cx="1894081" cy="646331"/>
+            </a:xfrm>
+            <a:prstGeom prst="rect">
+              <a:avLst/>
+            </a:prstGeom>
+          </p:spPr>
+          <p:txBody>
+            <a:bodyPr wrap="square">
+              <a:spAutoFit/>
+            </a:bodyPr>
+            <a:lstStyle/>
+            <a:p>
+              <a:pPr algn="ctr"/>
+              <a:r>
+                <a:rPr lang="zh-TW" altLang="en-US" dirty="0" smtClean="0">
+                  <a:latin typeface="微軟正黑體" panose="020B0604030504040204" pitchFamily="34" charset="-120"/>
+                  <a:ea typeface="微軟正黑體" panose="020B0604030504040204" pitchFamily="34" charset="-120"/>
+                </a:rPr>
+                <a:t>球到我方可能的三個落點、向量</a:t>
+              </a:r>
+              <a:endParaRPr lang="zh-TW" altLang="en-US" dirty="0"/>
+            </a:p>
+          </p:txBody>
+        </p:sp>
+      </p:grpSp>
+    </p:spTree>
+    <p:extLst>
+      <p:ext uri="{BB962C8B-B14F-4D97-AF65-F5344CB8AC3E}">
+        <p14:creationId xmlns:p14="http://schemas.microsoft.com/office/powerpoint/2010/main" val="2125904048"/>
+      </p:ext>
+    </p:extLst>
+  </p:cSld>
+  <p:clrMapOvr>
+    <a:masterClrMapping/>
+  </p:clrMapOvr>
+  <mc:AlternateContent xmlns:mc="http://schemas.openxmlformats.org/markup-compatibility/2006">
+    <mc:Choice xmlns:p14="http://schemas.microsoft.com/office/powerpoint/2010/main" Requires="p14">
+      <p:transition spd="med" p14:dur="700">
+        <p:fade/>
+      </p:transition>
+    </mc:Choice>
+    <mc:Fallback>
+      <p:transition spd="med">
+        <p:fade/>
+      </p:transition>
+    </mc:Fallback>
+  </mc:AlternateContent>
+  <p:timing>
+    <p:tnLst>
+      <p:par>
+        <p:cTn id="1" dur="indefinite" restart="never" nodeType="tmRoot"/>
+      </p:par>
+    </p:tnLst>
+  </p:timing>
+</p:sld>
+</file>
+
+<file path=ppt/slides/slide18.xml><?xml version="1.0" encoding="utf-8"?>
 <p:sld xmlns:a="http://schemas.openxmlformats.org/drawingml/2006/main" xmlns:r="http://schemas.openxmlformats.org/officeDocument/2006/relationships" xmlns:p="http://schemas.openxmlformats.org/presentationml/2006/main">
   <p:cSld>
     <p:spTree>
@@ -8072,6 +11356,13 @@
       </p:transition>
     </mc:Fallback>
   </mc:AlternateContent>
+  <p:timing>
+    <p:tnLst>
+      <p:par>
+        <p:cTn id="1" dur="indefinite" restart="never" nodeType="tmRoot"/>
+      </p:par>
+    </p:tnLst>
+  </p:timing>
 </p:sld>
 </file>
 
@@ -9630,8 +12921,8 @@
                     <a:lumOff val="35000"/>
                   </a:schemeClr>
                 </a:solidFill>
-                <a:latin typeface="微软雅黑" charset="0"/>
-                <a:ea typeface="微软雅黑" charset="0"/>
+                <a:latin typeface="微軟正黑體" panose="020B0604030504040204" pitchFamily="34" charset="-120"/>
+                <a:ea typeface="微軟正黑體" panose="020B0604030504040204" pitchFamily="34" charset="-120"/>
                 <a:cs typeface="微软雅黑" charset="0"/>
               </a:rPr>
               <a:t>限制需求 </a:t>
@@ -9644,8 +12935,8 @@
                     <a:lumOff val="35000"/>
                   </a:schemeClr>
                 </a:solidFill>
-                <a:latin typeface="微软雅黑" charset="0"/>
-                <a:ea typeface="微软雅黑" charset="0"/>
+                <a:latin typeface="微軟正黑體" panose="020B0604030504040204" pitchFamily="34" charset="-120"/>
+                <a:ea typeface="微軟正黑體" panose="020B0604030504040204" pitchFamily="34" charset="-120"/>
                 <a:cs typeface="微软雅黑" charset="0"/>
               </a:rPr>
               <a:t>(</a:t>
@@ -9658,8 +12949,8 @@
                     <a:lumOff val="35000"/>
                   </a:schemeClr>
                 </a:solidFill>
-                <a:latin typeface="微软雅黑" charset="0"/>
-                <a:ea typeface="微软雅黑" charset="0"/>
+                <a:latin typeface="微軟正黑體" panose="020B0604030504040204" pitchFamily="34" charset="-120"/>
+                <a:ea typeface="微軟正黑體" panose="020B0604030504040204" pitchFamily="34" charset="-120"/>
                 <a:cs typeface="微软雅黑" charset="0"/>
               </a:rPr>
               <a:t>遊戲介面</a:t>
@@ -9672,8 +12963,8 @@
                     <a:lumOff val="35000"/>
                   </a:schemeClr>
                 </a:solidFill>
-                <a:latin typeface="微软雅黑" charset="0"/>
-                <a:ea typeface="微软雅黑" charset="0"/>
+                <a:latin typeface="微軟正黑體" panose="020B0604030504040204" pitchFamily="34" charset="-120"/>
+                <a:ea typeface="微軟正黑體" panose="020B0604030504040204" pitchFamily="34" charset="-120"/>
                 <a:cs typeface="微软雅黑" charset="0"/>
               </a:rPr>
               <a:t>)</a:t>
@@ -10911,8 +14202,8 @@
                     <a:lumOff val="35000"/>
                   </a:schemeClr>
                 </a:solidFill>
-                <a:latin typeface="微软雅黑" charset="0"/>
-                <a:ea typeface="微软雅黑" charset="0"/>
+                <a:latin typeface="微軟正黑體" panose="020B0604030504040204" pitchFamily="34" charset="-120"/>
+                <a:ea typeface="微軟正黑體" panose="020B0604030504040204" pitchFamily="34" charset="-120"/>
                 <a:cs typeface="微软雅黑" charset="0"/>
               </a:rPr>
               <a:t>限制需求 </a:t>
@@ -10925,8 +14216,8 @@
                     <a:lumOff val="35000"/>
                   </a:schemeClr>
                 </a:solidFill>
-                <a:latin typeface="微软雅黑" charset="0"/>
-                <a:ea typeface="微软雅黑" charset="0"/>
+                <a:latin typeface="微軟正黑體" panose="020B0604030504040204" pitchFamily="34" charset="-120"/>
+                <a:ea typeface="微軟正黑體" panose="020B0604030504040204" pitchFamily="34" charset="-120"/>
                 <a:cs typeface="微软雅黑" charset="0"/>
               </a:rPr>
               <a:t>(</a:t>
@@ -10939,8 +14230,8 @@
                     <a:lumOff val="35000"/>
                   </a:schemeClr>
                 </a:solidFill>
-                <a:latin typeface="微软雅黑" charset="0"/>
-                <a:ea typeface="微软雅黑" charset="0"/>
+                <a:latin typeface="微軟正黑體" panose="020B0604030504040204" pitchFamily="34" charset="-120"/>
+                <a:ea typeface="微軟正黑體" panose="020B0604030504040204" pitchFamily="34" charset="-120"/>
                 <a:cs typeface="微软雅黑" charset="0"/>
               </a:rPr>
               <a:t>遊戲介面</a:t>
@@ -10953,8 +14244,8 @@
                     <a:lumOff val="35000"/>
                   </a:schemeClr>
                 </a:solidFill>
-                <a:latin typeface="微软雅黑" charset="0"/>
-                <a:ea typeface="微软雅黑" charset="0"/>
+                <a:latin typeface="微軟正黑體" panose="020B0604030504040204" pitchFamily="34" charset="-120"/>
+                <a:ea typeface="微軟正黑體" panose="020B0604030504040204" pitchFamily="34" charset="-120"/>
                 <a:cs typeface="微软雅黑" charset="0"/>
               </a:rPr>
               <a:t>)</a:t>
@@ -12115,8 +15406,8 @@
                     <a:lumOff val="35000"/>
                   </a:schemeClr>
                 </a:solidFill>
-                <a:latin typeface="微软雅黑" charset="0"/>
-                <a:ea typeface="微软雅黑" charset="0"/>
+                <a:latin typeface="微軟正黑體" panose="020B0604030504040204" pitchFamily="34" charset="-120"/>
+                <a:ea typeface="微軟正黑體" panose="020B0604030504040204" pitchFamily="34" charset="-120"/>
                 <a:cs typeface="微软雅黑" charset="0"/>
               </a:rPr>
               <a:t>分析 </a:t>
@@ -12129,8 +15420,8 @@
                     <a:lumOff val="35000"/>
                   </a:schemeClr>
                 </a:solidFill>
-                <a:latin typeface="微软雅黑" charset="0"/>
-                <a:ea typeface="微软雅黑" charset="0"/>
+                <a:latin typeface="微軟正黑體" panose="020B0604030504040204" pitchFamily="34" charset="-120"/>
+                <a:ea typeface="微軟正黑體" panose="020B0604030504040204" pitchFamily="34" charset="-120"/>
                 <a:cs typeface="微软雅黑" charset="0"/>
               </a:rPr>
               <a:t>– </a:t>
@@ -12143,8 +15434,8 @@
                     <a:lumOff val="35000"/>
                   </a:schemeClr>
                 </a:solidFill>
-                <a:latin typeface="微软雅黑" charset="0"/>
-                <a:ea typeface="微软雅黑" charset="0"/>
+                <a:latin typeface="微軟正黑體" panose="020B0604030504040204" pitchFamily="34" charset="-120"/>
+                <a:ea typeface="微軟正黑體" panose="020B0604030504040204" pitchFamily="34" charset="-120"/>
                 <a:cs typeface="微软雅黑" charset="0"/>
               </a:rPr>
               <a:t>防守</a:t>
@@ -12157,8 +15448,8 @@
                     <a:lumOff val="35000"/>
                   </a:schemeClr>
                 </a:solidFill>
-                <a:latin typeface="微软雅黑" charset="0"/>
-                <a:ea typeface="微软雅黑" charset="0"/>
+                <a:latin typeface="微軟正黑體" panose="020B0604030504040204" pitchFamily="34" charset="-120"/>
+                <a:ea typeface="微軟正黑體" panose="020B0604030504040204" pitchFamily="34" charset="-120"/>
                 <a:cs typeface="微软雅黑" charset="0"/>
               </a:rPr>
               <a:t>模組</a:t>
@@ -12170,8 +15461,8 @@
                   <a:lumOff val="35000"/>
                 </a:schemeClr>
               </a:solidFill>
-              <a:latin typeface="微软雅黑" charset="0"/>
-              <a:ea typeface="微软雅黑" charset="0"/>
+              <a:latin typeface="微軟正黑體" panose="020B0604030504040204" pitchFamily="34" charset="-120"/>
+              <a:ea typeface="微軟正黑體" panose="020B0604030504040204" pitchFamily="34" charset="-120"/>
               <a:cs typeface="微软雅黑" charset="0"/>
             </a:endParaRPr>
           </a:p>
@@ -12980,8 +16271,8 @@
                     <a:lumOff val="35000"/>
                   </a:schemeClr>
                 </a:solidFill>
-                <a:latin typeface="微软雅黑" charset="0"/>
-                <a:ea typeface="微软雅黑" charset="0"/>
+                <a:latin typeface="微軟正黑體" panose="020B0604030504040204" pitchFamily="34" charset="-120"/>
+                <a:ea typeface="微軟正黑體" panose="020B0604030504040204" pitchFamily="34" charset="-120"/>
                 <a:cs typeface="微软雅黑" charset="0"/>
               </a:rPr>
               <a:t>分析 </a:t>
@@ -12994,8 +16285,8 @@
                     <a:lumOff val="35000"/>
                   </a:schemeClr>
                 </a:solidFill>
-                <a:latin typeface="微软雅黑" charset="0"/>
-                <a:ea typeface="微软雅黑" charset="0"/>
+                <a:latin typeface="微軟正黑體" panose="020B0604030504040204" pitchFamily="34" charset="-120"/>
+                <a:ea typeface="微軟正黑體" panose="020B0604030504040204" pitchFamily="34" charset="-120"/>
                 <a:cs typeface="微软雅黑" charset="0"/>
               </a:rPr>
               <a:t>– </a:t>
@@ -13008,8 +16299,8 @@
                     <a:lumOff val="35000"/>
                   </a:schemeClr>
                 </a:solidFill>
-                <a:latin typeface="微软雅黑" charset="0"/>
-                <a:ea typeface="微软雅黑" charset="0"/>
+                <a:latin typeface="微軟正黑體" panose="020B0604030504040204" pitchFamily="34" charset="-120"/>
+                <a:ea typeface="微軟正黑體" panose="020B0604030504040204" pitchFamily="34" charset="-120"/>
                 <a:cs typeface="微软雅黑" charset="0"/>
               </a:rPr>
               <a:t>攻擊模組</a:t>
@@ -13021,8 +16312,8 @@
                   <a:lumOff val="35000"/>
                 </a:schemeClr>
               </a:solidFill>
-              <a:latin typeface="微软雅黑" charset="0"/>
-              <a:ea typeface="微软雅黑" charset="0"/>
+              <a:latin typeface="微軟正黑體" panose="020B0604030504040204" pitchFamily="34" charset="-120"/>
+              <a:ea typeface="微軟正黑體" panose="020B0604030504040204" pitchFamily="34" charset="-120"/>
               <a:cs typeface="微软雅黑" charset="0"/>
             </a:endParaRPr>
           </a:p>
@@ -13642,8 +16933,8 @@
                     <a:lumOff val="35000"/>
                   </a:schemeClr>
                 </a:solidFill>
-                <a:latin typeface="微软雅黑" charset="0"/>
-                <a:ea typeface="微软雅黑" charset="0"/>
+                <a:latin typeface="微軟正黑體" panose="020B0604030504040204" pitchFamily="34" charset="-120"/>
+                <a:ea typeface="微軟正黑體" panose="020B0604030504040204" pitchFamily="34" charset="-120"/>
                 <a:cs typeface="微软雅黑" charset="0"/>
               </a:rPr>
               <a:t>分析 </a:t>
@@ -13656,8 +16947,8 @@
                     <a:lumOff val="35000"/>
                   </a:schemeClr>
                 </a:solidFill>
-                <a:latin typeface="微软雅黑" charset="0"/>
-                <a:ea typeface="微软雅黑" charset="0"/>
+                <a:latin typeface="微軟正黑體" panose="020B0604030504040204" pitchFamily="34" charset="-120"/>
+                <a:ea typeface="微軟正黑體" panose="020B0604030504040204" pitchFamily="34" charset="-120"/>
                 <a:cs typeface="微软雅黑" charset="0"/>
               </a:rPr>
               <a:t>– </a:t>
@@ -13670,8 +16961,8 @@
                     <a:lumOff val="35000"/>
                   </a:schemeClr>
                 </a:solidFill>
-                <a:latin typeface="微软雅黑" charset="0"/>
-                <a:ea typeface="微软雅黑" charset="0"/>
+                <a:latin typeface="微軟正黑體" panose="020B0604030504040204" pitchFamily="34" charset="-120"/>
+                <a:ea typeface="微軟正黑體" panose="020B0604030504040204" pitchFamily="34" charset="-120"/>
                 <a:cs typeface="微软雅黑" charset="0"/>
               </a:rPr>
               <a:t>攻擊模組</a:t>
@@ -13683,8 +16974,8 @@
                   <a:lumOff val="35000"/>
                 </a:schemeClr>
               </a:solidFill>
-              <a:latin typeface="微软雅黑" charset="0"/>
-              <a:ea typeface="微软雅黑" charset="0"/>
+              <a:latin typeface="微軟正黑體" panose="020B0604030504040204" pitchFamily="34" charset="-120"/>
+              <a:ea typeface="微軟正黑體" panose="020B0604030504040204" pitchFamily="34" charset="-120"/>
               <a:cs typeface="微软雅黑" charset="0"/>
             </a:endParaRPr>
           </a:p>
@@ -14228,7 +17519,7 @@
           <a:lstStyle/>
           <a:p>
             <a:r>
-              <a:rPr lang="en-US" altLang="zh-TW" sz="3200" dirty="0">
+              <a:rPr lang="en-US" altLang="zh-TW" sz="3200" dirty="0" smtClean="0">
                 <a:solidFill>
                   <a:schemeClr val="tx1">
                     <a:lumMod val="65000"/>
@@ -14241,6 +17532,17 @@
               </a:rPr>
               <a:t>API</a:t>
             </a:r>
+            <a:endParaRPr lang="en-US" altLang="zh-TW" sz="3200" dirty="0">
+              <a:solidFill>
+                <a:schemeClr val="tx1">
+                  <a:lumMod val="65000"/>
+                  <a:lumOff val="35000"/>
+                </a:schemeClr>
+              </a:solidFill>
+              <a:latin typeface="微軟正黑體" panose="020B0604030504040204" pitchFamily="34" charset="-120"/>
+              <a:ea typeface="微軟正黑體" panose="020B0604030504040204" pitchFamily="34" charset="-120"/>
+              <a:cs typeface="微软雅黑" charset="0"/>
+            </a:endParaRPr>
           </a:p>
         </p:txBody>
       </p:sp>
@@ -14694,14 +17996,28 @@
                 <a:latin typeface="微軟正黑體" panose="020B0604030504040204" pitchFamily="34" charset="-120"/>
                 <a:ea typeface="微軟正黑體" panose="020B0604030504040204" pitchFamily="34" charset="-120"/>
               </a:rPr>
-              <a:t>落點判斷</a:t>
+              <a:t>落</a:t>
+            </a:r>
+            <a:r>
+              <a:rPr lang="zh-TW" altLang="en-US" sz="2400" dirty="0" smtClean="0">
+                <a:latin typeface="微軟正黑體" panose="020B0604030504040204" pitchFamily="34" charset="-120"/>
+                <a:ea typeface="微軟正黑體" panose="020B0604030504040204" pitchFamily="34" charset="-120"/>
+              </a:rPr>
+              <a:t>點預測</a:t>
+            </a:r>
+            <a:r>
+              <a:rPr lang="en-US" altLang="zh-TW" sz="2400" dirty="0" smtClean="0">
+                <a:latin typeface="微軟正黑體" panose="020B0604030504040204" pitchFamily="34" charset="-120"/>
+                <a:ea typeface="微軟正黑體" panose="020B0604030504040204" pitchFamily="34" charset="-120"/>
+              </a:rPr>
+              <a:t>-</a:t>
             </a:r>
             <a:r>
               <a:rPr lang="en-US" altLang="zh-TW" sz="2400" dirty="0">
                 <a:latin typeface="微軟正黑體" panose="020B0604030504040204" pitchFamily="34" charset="-120"/>
                 <a:ea typeface="微軟正黑體" panose="020B0604030504040204" pitchFamily="34" charset="-120"/>
               </a:rPr>
-              <a:t>-1</a:t>
+              <a:t>1</a:t>
             </a:r>
           </a:p>
           <a:p>
@@ -14748,7 +18064,85 @@
                 <a:latin typeface="微軟正黑體" panose="020B0604030504040204" pitchFamily="34" charset="-120"/>
                 <a:ea typeface="微軟正黑體" panose="020B0604030504040204" pitchFamily="34" charset="-120"/>
               </a:rPr>
-              <a:t>參數：三種擊球方式的向量運算式。</a:t>
+              <a:t>參數：三種擊球方式的向量運算式</a:t>
+            </a:r>
+            <a:r>
+              <a:rPr lang="zh-TW" altLang="en-US" sz="2400" dirty="0" smtClean="0">
+                <a:latin typeface="微軟正黑體" panose="020B0604030504040204" pitchFamily="34" charset="-120"/>
+                <a:ea typeface="微軟正黑體" panose="020B0604030504040204" pitchFamily="34" charset="-120"/>
+              </a:rPr>
+              <a:t>。 </a:t>
+            </a:r>
+            <a:endParaRPr lang="en-US" altLang="zh-TW" sz="2400" dirty="0" smtClean="0">
+              <a:latin typeface="微軟正黑體" panose="020B0604030504040204" pitchFamily="34" charset="-120"/>
+              <a:ea typeface="微軟正黑體" panose="020B0604030504040204" pitchFamily="34" charset="-120"/>
+            </a:endParaRPr>
+          </a:p>
+          <a:p>
+            <a:pPr marL="1885950" lvl="3" indent="-514350">
+              <a:buFont typeface="Arial" panose="020B0604020202020204" pitchFamily="34" charset="0"/>
+              <a:buChar char="•"/>
+            </a:pPr>
+            <a:r>
+              <a:rPr lang="zh-TW" altLang="en-US" sz="2400" dirty="0" smtClean="0">
+                <a:latin typeface="微軟正黑體" panose="020B0604030504040204" pitchFamily="34" charset="-120"/>
+                <a:ea typeface="微軟正黑體" panose="020B0604030504040204" pitchFamily="34" charset="-120"/>
+              </a:rPr>
+              <a:t>方法</a:t>
+            </a:r>
+            <a:r>
+              <a:rPr lang="zh-TW" altLang="en-US" sz="2400" dirty="0">
+                <a:latin typeface="微軟正黑體" panose="020B0604030504040204" pitchFamily="34" charset="-120"/>
+                <a:ea typeface="微軟正黑體" panose="020B0604030504040204" pitchFamily="34" charset="-120"/>
+              </a:rPr>
+              <a:t>：我方發球或我方擊球後執行</a:t>
+            </a:r>
+            <a:r>
+              <a:rPr lang="zh-TW" altLang="en-US" sz="2400" dirty="0" smtClean="0">
+                <a:latin typeface="微軟正黑體" panose="020B0604030504040204" pitchFamily="34" charset="-120"/>
+                <a:ea typeface="微軟正黑體" panose="020B0604030504040204" pitchFamily="34" charset="-120"/>
+              </a:rPr>
+              <a:t>。</a:t>
+            </a:r>
+            <a:r>
+              <a:rPr lang="en-US" altLang="zh-TW" sz="2000" dirty="0" smtClean="0">
+                <a:solidFill>
+                  <a:srgbClr val="FF0000"/>
+                </a:solidFill>
+                <a:latin typeface="微軟正黑體" panose="020B0604030504040204" pitchFamily="34" charset="-120"/>
+                <a:ea typeface="微軟正黑體" panose="020B0604030504040204" pitchFamily="34" charset="-120"/>
+              </a:rPr>
+              <a:t>//</a:t>
+            </a:r>
+            <a:r>
+              <a:rPr lang="zh-TW" altLang="en-US" sz="2000" dirty="0" smtClean="0">
+                <a:solidFill>
+                  <a:srgbClr val="FF0000"/>
+                </a:solidFill>
+                <a:latin typeface="微軟正黑體" panose="020B0604030504040204" pitchFamily="34" charset="-120"/>
+                <a:ea typeface="微軟正黑體" panose="020B0604030504040204" pitchFamily="34" charset="-120"/>
+              </a:rPr>
+              <a:t>如何用輸入</a:t>
+            </a:r>
+            <a:r>
+              <a:rPr lang="en-US" altLang="zh-TW" sz="2000" dirty="0">
+                <a:solidFill>
+                  <a:srgbClr val="FF0000"/>
+                </a:solidFill>
+                <a:latin typeface="微軟正黑體" panose="020B0604030504040204" pitchFamily="34" charset="-120"/>
+                <a:ea typeface="微軟正黑體" panose="020B0604030504040204" pitchFamily="34" charset="-120"/>
+              </a:rPr>
+              <a:t>&amp;</a:t>
+            </a:r>
+            <a:r>
+              <a:rPr lang="zh-TW" altLang="en-US" sz="2000" dirty="0" smtClean="0">
+                <a:solidFill>
+                  <a:srgbClr val="FF0000"/>
+                </a:solidFill>
+                <a:latin typeface="微軟正黑體" panose="020B0604030504040204" pitchFamily="34" charset="-120"/>
+                <a:ea typeface="微軟正黑體" panose="020B0604030504040204" pitchFamily="34" charset="-120"/>
+              </a:rPr>
+              <a:t>參數產生輸出</a:t>
             </a:r>
             <a:endParaRPr lang="en-US" altLang="zh-TW" sz="2400" dirty="0">
               <a:latin typeface="微軟正黑體" panose="020B0604030504040204" pitchFamily="34" charset="-120"/>
@@ -14756,23 +18150,6 @@
             </a:endParaRPr>
           </a:p>
           <a:p>
-            <a:pPr marL="1885950" lvl="3" indent="-514350">
-              <a:buFont typeface="Arial" panose="020B0604020202020204" pitchFamily="34" charset="0"/>
-              <a:buChar char="•"/>
-            </a:pPr>
-            <a:r>
-              <a:rPr lang="zh-TW" altLang="en-US" sz="2400" dirty="0">
-                <a:latin typeface="微軟正黑體" panose="020B0604030504040204" pitchFamily="34" charset="-120"/>
-                <a:ea typeface="微軟正黑體" panose="020B0604030504040204" pitchFamily="34" charset="-120"/>
-              </a:rPr>
-              <a:t>方法：我方發球或我方擊球後執行。</a:t>
-            </a:r>
-            <a:endParaRPr lang="en-US" altLang="zh-TW" sz="2400" dirty="0">
-              <a:latin typeface="微軟正黑體" panose="020B0604030504040204" pitchFamily="34" charset="-120"/>
-              <a:ea typeface="微軟正黑體" panose="020B0604030504040204" pitchFamily="34" charset="-120"/>
-            </a:endParaRPr>
-          </a:p>
-          <a:p>
             <a:pPr marL="1371600" lvl="2" indent="-457200">
               <a:buFont typeface="+mj-lt"/>
               <a:buAutoNum type="alphaLcPeriod"/>
@@ -14782,14 +18159,28 @@
                 <a:latin typeface="微軟正黑體" panose="020B0604030504040204" pitchFamily="34" charset="-120"/>
                 <a:ea typeface="微軟正黑體" panose="020B0604030504040204" pitchFamily="34" charset="-120"/>
               </a:rPr>
-              <a:t>落點判斷</a:t>
+              <a:t>落</a:t>
+            </a:r>
+            <a:r>
+              <a:rPr lang="zh-TW" altLang="en-US" sz="2400" dirty="0">
+                <a:latin typeface="微軟正黑體" panose="020B0604030504040204" pitchFamily="34" charset="-120"/>
+                <a:ea typeface="微軟正黑體" panose="020B0604030504040204" pitchFamily="34" charset="-120"/>
+              </a:rPr>
+              <a:t>點預測</a:t>
+            </a:r>
+            <a:r>
+              <a:rPr lang="en-US" altLang="zh-TW" sz="2400" dirty="0" smtClean="0">
+                <a:latin typeface="微軟正黑體" panose="020B0604030504040204" pitchFamily="34" charset="-120"/>
+                <a:ea typeface="微軟正黑體" panose="020B0604030504040204" pitchFamily="34" charset="-120"/>
+              </a:rPr>
+              <a:t>-</a:t>
             </a:r>
             <a:r>
               <a:rPr lang="en-US" altLang="zh-TW" sz="2400" dirty="0">
                 <a:latin typeface="微軟正黑體" panose="020B0604030504040204" pitchFamily="34" charset="-120"/>
                 <a:ea typeface="微軟正黑體" panose="020B0604030504040204" pitchFamily="34" charset="-120"/>
               </a:rPr>
-              <a:t>-2</a:t>
+              <a:t>2</a:t>
             </a:r>
           </a:p>
           <a:p>
@@ -14898,6 +18289,13 @@
       </p:transition>
     </mc:Fallback>
   </mc:AlternateContent>
+  <p:timing>
+    <p:tnLst>
+      <p:par>
+        <p:cTn id="1" dur="indefinite" restart="never" nodeType="tmRoot"/>
+      </p:par>
+    </p:tnLst>
+  </p:timing>
 </p:sld>
 </file>
 
